--- a/Practice/圖片辨識/C108112102_何佳曄.pptx
+++ b/Practice/圖片辨識/C108112102_何佳曄.pptx
@@ -142,7 +142,7 @@
   <pc:docChgLst>
     <pc:chgData name="佳曄 何" userId="22d0823ecc9cba8d" providerId="LiveId" clId="{A3078D75-3969-4F82-9F47-2D538A971BE5}"/>
     <pc:docChg chg="undo custSel addSld delSld modSld sldOrd">
-      <pc:chgData name="佳曄 何" userId="22d0823ecc9cba8d" providerId="LiveId" clId="{A3078D75-3969-4F82-9F47-2D538A971BE5}" dt="2020-10-23T11:12:31.849" v="2436" actId="14100"/>
+      <pc:chgData name="佳曄 何" userId="22d0823ecc9cba8d" providerId="LiveId" clId="{A3078D75-3969-4F82-9F47-2D538A971BE5}" dt="2020-10-23T12:39:24.617" v="4689" actId="478"/>
       <pc:docMkLst>
         <pc:docMk/>
       </pc:docMkLst>
@@ -319,7 +319,7 @@
         </pc:spChg>
       </pc:sldChg>
       <pc:sldChg chg="addSp delSp modSp new mod">
-        <pc:chgData name="佳曄 何" userId="22d0823ecc9cba8d" providerId="LiveId" clId="{A3078D75-3969-4F82-9F47-2D538A971BE5}" dt="2020-10-22T02:21:34.192" v="856" actId="14100"/>
+        <pc:chgData name="佳曄 何" userId="22d0823ecc9cba8d" providerId="LiveId" clId="{A3078D75-3969-4F82-9F47-2D538A971BE5}" dt="2020-10-23T11:43:33.395" v="3079" actId="404"/>
         <pc:sldMkLst>
           <pc:docMk/>
           <pc:sldMk cId="155291346" sldId="260"/>
@@ -356,12 +356,36 @@
             <ac:spMk id="5" creationId="{53EF90CE-CC30-41D5-BC7E-DDF6EC942097}"/>
           </ac:spMkLst>
         </pc:spChg>
+        <pc:spChg chg="add mod">
+          <ac:chgData name="佳曄 何" userId="22d0823ecc9cba8d" providerId="LiveId" clId="{A3078D75-3969-4F82-9F47-2D538A971BE5}" dt="2020-10-23T11:41:22.815" v="2885" actId="1076"/>
+          <ac:spMkLst>
+            <pc:docMk/>
+            <pc:sldMk cId="155291346" sldId="260"/>
+            <ac:spMk id="6" creationId="{ACCFCE07-8523-41DE-986C-EBE35AF001B1}"/>
+          </ac:spMkLst>
+        </pc:spChg>
         <pc:spChg chg="del">
           <ac:chgData name="佳曄 何" userId="22d0823ecc9cba8d" providerId="LiveId" clId="{A3078D75-3969-4F82-9F47-2D538A971BE5}" dt="2020-10-22T01:47:03.481" v="522" actId="931"/>
           <ac:spMkLst>
             <pc:docMk/>
             <pc:sldMk cId="155291346" sldId="260"/>
             <ac:spMk id="6" creationId="{AE6428DA-A946-4DCD-B9FF-5794A2D575C0}"/>
+          </ac:spMkLst>
+        </pc:spChg>
+        <pc:spChg chg="add mod">
+          <ac:chgData name="佳曄 何" userId="22d0823ecc9cba8d" providerId="LiveId" clId="{A3078D75-3969-4F82-9F47-2D538A971BE5}" dt="2020-10-23T11:41:08.789" v="2879" actId="208"/>
+          <ac:spMkLst>
+            <pc:docMk/>
+            <pc:sldMk cId="155291346" sldId="260"/>
+            <ac:spMk id="9" creationId="{E9F4A52F-6954-4B7E-AB1A-837D6DCC3E49}"/>
+          </ac:spMkLst>
+        </pc:spChg>
+        <pc:spChg chg="add mod">
+          <ac:chgData name="佳曄 何" userId="22d0823ecc9cba8d" providerId="LiveId" clId="{A3078D75-3969-4F82-9F47-2D538A971BE5}" dt="2020-10-23T11:43:33.395" v="3079" actId="404"/>
+          <ac:spMkLst>
+            <pc:docMk/>
+            <pc:sldMk cId="155291346" sldId="260"/>
+            <ac:spMk id="10" creationId="{0EFEDCB0-87C6-4439-91B7-9843A5B345DB}"/>
           </ac:spMkLst>
         </pc:spChg>
         <pc:spChg chg="add del mod">
@@ -381,7 +405,7 @@
           </ac:spMkLst>
         </pc:spChg>
         <pc:picChg chg="add mod">
-          <ac:chgData name="佳曄 何" userId="22d0823ecc9cba8d" providerId="LiveId" clId="{A3078D75-3969-4F82-9F47-2D538A971BE5}" dt="2020-10-22T02:21:34.192" v="856" actId="14100"/>
+          <ac:chgData name="佳曄 何" userId="22d0823ecc9cba8d" providerId="LiveId" clId="{A3078D75-3969-4F82-9F47-2D538A971BE5}" dt="2020-10-23T11:41:20.687" v="2884" actId="1076"/>
           <ac:picMkLst>
             <pc:docMk/>
             <pc:sldMk cId="155291346" sldId="260"/>
@@ -413,7 +437,7 @@
           </ac:picMkLst>
         </pc:picChg>
         <pc:picChg chg="add mod">
-          <ac:chgData name="佳曄 何" userId="22d0823ecc9cba8d" providerId="LiveId" clId="{A3078D75-3969-4F82-9F47-2D538A971BE5}" dt="2020-10-22T02:05:43.048" v="736" actId="1076"/>
+          <ac:chgData name="佳曄 何" userId="22d0823ecc9cba8d" providerId="LiveId" clId="{A3078D75-3969-4F82-9F47-2D538A971BE5}" dt="2020-10-23T11:41:15.704" v="2881" actId="1076"/>
           <ac:picMkLst>
             <pc:docMk/>
             <pc:sldMk cId="155291346" sldId="260"/>
@@ -421,7 +445,7 @@
           </ac:picMkLst>
         </pc:picChg>
         <pc:picChg chg="add mod">
-          <ac:chgData name="佳曄 何" userId="22d0823ecc9cba8d" providerId="LiveId" clId="{A3078D75-3969-4F82-9F47-2D538A971BE5}" dt="2020-10-22T01:48:40.025" v="557" actId="14100"/>
+          <ac:chgData name="佳曄 何" userId="22d0823ecc9cba8d" providerId="LiveId" clId="{A3078D75-3969-4F82-9F47-2D538A971BE5}" dt="2020-10-23T11:41:16.703" v="2882" actId="1076"/>
           <ac:picMkLst>
             <pc:docMk/>
             <pc:sldMk cId="155291346" sldId="260"/>
@@ -429,7 +453,7 @@
           </ac:picMkLst>
         </pc:picChg>
         <pc:picChg chg="add mod">
-          <ac:chgData name="佳曄 何" userId="22d0823ecc9cba8d" providerId="LiveId" clId="{A3078D75-3969-4F82-9F47-2D538A971BE5}" dt="2020-10-22T02:05:40.760" v="735" actId="1076"/>
+          <ac:chgData name="佳曄 何" userId="22d0823ecc9cba8d" providerId="LiveId" clId="{A3078D75-3969-4F82-9F47-2D538A971BE5}" dt="2020-10-23T11:41:14.367" v="2880" actId="1076"/>
           <ac:picMkLst>
             <pc:docMk/>
             <pc:sldMk cId="155291346" sldId="260"/>
@@ -445,7 +469,7 @@
           </ac:picMkLst>
         </pc:picChg>
         <pc:picChg chg="add mod">
-          <ac:chgData name="佳曄 何" userId="22d0823ecc9cba8d" providerId="LiveId" clId="{A3078D75-3969-4F82-9F47-2D538A971BE5}" dt="2020-10-22T02:21:26.663" v="854" actId="14100"/>
+          <ac:chgData name="佳曄 何" userId="22d0823ecc9cba8d" providerId="LiveId" clId="{A3078D75-3969-4F82-9F47-2D538A971BE5}" dt="2020-10-23T11:41:19.248" v="2883" actId="1076"/>
           <ac:picMkLst>
             <pc:docMk/>
             <pc:sldMk cId="155291346" sldId="260"/>
@@ -460,6 +484,14 @@
             <ac:picMk id="25" creationId="{0C84479A-89D9-4F16-AC7B-89F3DA38B339}"/>
           </ac:picMkLst>
         </pc:picChg>
+        <pc:cxnChg chg="add mod">
+          <ac:chgData name="佳曄 何" userId="22d0823ecc9cba8d" providerId="LiveId" clId="{A3078D75-3969-4F82-9F47-2D538A971BE5}" dt="2020-10-23T11:41:24.303" v="2886" actId="1076"/>
+          <ac:cxnSpMkLst>
+            <pc:docMk/>
+            <pc:sldMk cId="155291346" sldId="260"/>
+            <ac:cxnSpMk id="8" creationId="{5F5A67D3-2B4E-4550-8B29-4C5957BEA101}"/>
+          </ac:cxnSpMkLst>
+        </pc:cxnChg>
       </pc:sldChg>
       <pc:sldChg chg="modSp new del mod ord">
         <pc:chgData name="佳曄 何" userId="22d0823ecc9cba8d" providerId="LiveId" clId="{A3078D75-3969-4F82-9F47-2D538A971BE5}" dt="2020-10-22T01:49:49.885" v="575" actId="47"/>
@@ -477,7 +509,7 @@
         </pc:spChg>
       </pc:sldChg>
       <pc:sldChg chg="addSp delSp modSp new mod">
-        <pc:chgData name="佳曄 何" userId="22d0823ecc9cba8d" providerId="LiveId" clId="{A3078D75-3969-4F82-9F47-2D538A971BE5}" dt="2020-10-22T02:05:23.776" v="733" actId="14100"/>
+        <pc:chgData name="佳曄 何" userId="22d0823ecc9cba8d" providerId="LiveId" clId="{A3078D75-3969-4F82-9F47-2D538A971BE5}" dt="2020-10-23T11:43:41.967" v="3082" actId="1076"/>
         <pc:sldMkLst>
           <pc:docMk/>
           <pc:sldMk cId="2317962790" sldId="262"/>
@@ -506,6 +538,14 @@
             <ac:spMk id="4" creationId="{31FC2A1E-E886-49DC-A5BB-261A2F00AAFB}"/>
           </ac:spMkLst>
         </pc:spChg>
+        <pc:spChg chg="add mod">
+          <ac:chgData name="佳曄 何" userId="22d0823ecc9cba8d" providerId="LiveId" clId="{A3078D75-3969-4F82-9F47-2D538A971BE5}" dt="2020-10-23T11:43:41.967" v="3082" actId="1076"/>
+          <ac:spMkLst>
+            <pc:docMk/>
+            <pc:sldMk cId="2317962790" sldId="262"/>
+            <ac:spMk id="4" creationId="{67D57BE9-3A6E-4E7C-9F0E-EA66337CA325}"/>
+          </ac:spMkLst>
+        </pc:spChg>
         <pc:spChg chg="mod">
           <ac:chgData name="佳曄 何" userId="22d0823ecc9cba8d" providerId="LiveId" clId="{A3078D75-3969-4F82-9F47-2D538A971BE5}" dt="2020-10-22T01:56:58.290" v="699" actId="2711"/>
           <ac:spMkLst>
@@ -522,6 +562,14 @@
             <ac:spMk id="6" creationId="{D429F42B-CF75-4D22-AEB4-191ACAC21838}"/>
           </ac:spMkLst>
         </pc:spChg>
+        <pc:spChg chg="add mod">
+          <ac:chgData name="佳曄 何" userId="22d0823ecc9cba8d" providerId="LiveId" clId="{A3078D75-3969-4F82-9F47-2D538A971BE5}" dt="2020-10-23T11:28:16.594" v="2599" actId="208"/>
+          <ac:spMkLst>
+            <pc:docMk/>
+            <pc:sldMk cId="2317962790" sldId="262"/>
+            <ac:spMk id="6" creationId="{DC82E1EA-8DD4-48E2-8400-DC7FC8EA9ECC}"/>
+          </ac:spMkLst>
+        </pc:spChg>
         <pc:spChg chg="add del mod">
           <ac:chgData name="佳曄 何" userId="22d0823ecc9cba8d" providerId="LiveId" clId="{A3078D75-3969-4F82-9F47-2D538A971BE5}" dt="2020-10-22T02:00:02.004" v="704"/>
           <ac:spMkLst>
@@ -538,8 +586,32 @@
             <ac:spMk id="20" creationId="{86AAB8E8-6160-447C-953E-70810B0D63FB}"/>
           </ac:spMkLst>
         </pc:spChg>
+        <pc:graphicFrameChg chg="add del mod modGraphic">
+          <ac:chgData name="佳曄 何" userId="22d0823ecc9cba8d" providerId="LiveId" clId="{A3078D75-3969-4F82-9F47-2D538A971BE5}" dt="2020-10-23T11:29:45.228" v="2613" actId="478"/>
+          <ac:graphicFrameMkLst>
+            <pc:docMk/>
+            <pc:sldMk cId="2317962790" sldId="262"/>
+            <ac:graphicFrameMk id="7" creationId="{EB91501E-B4ED-41A5-88FC-0C22ED60ABEF}"/>
+          </ac:graphicFrameMkLst>
+        </pc:graphicFrameChg>
+        <pc:graphicFrameChg chg="add del mod">
+          <ac:chgData name="佳曄 何" userId="22d0823ecc9cba8d" providerId="LiveId" clId="{A3078D75-3969-4F82-9F47-2D538A971BE5}" dt="2020-10-23T11:29:42.822" v="2612" actId="478"/>
+          <ac:graphicFrameMkLst>
+            <pc:docMk/>
+            <pc:sldMk cId="2317962790" sldId="262"/>
+            <ac:graphicFrameMk id="9" creationId="{B0570B8A-9585-4B6A-9688-CD3FFC799D94}"/>
+          </ac:graphicFrameMkLst>
+        </pc:graphicFrameChg>
+        <pc:graphicFrameChg chg="add mod modGraphic">
+          <ac:chgData name="佳曄 何" userId="22d0823ecc9cba8d" providerId="LiveId" clId="{A3078D75-3969-4F82-9F47-2D538A971BE5}" dt="2020-10-23T11:38:32.947" v="2823" actId="122"/>
+          <ac:graphicFrameMkLst>
+            <pc:docMk/>
+            <pc:sldMk cId="2317962790" sldId="262"/>
+            <ac:graphicFrameMk id="10" creationId="{00080F17-84BC-4EA7-8175-129A1F2E0F25}"/>
+          </ac:graphicFrameMkLst>
+        </pc:graphicFrameChg>
         <pc:picChg chg="add mod">
-          <ac:chgData name="佳曄 何" userId="22d0823ecc9cba8d" providerId="LiveId" clId="{A3078D75-3969-4F82-9F47-2D538A971BE5}" dt="2020-10-22T02:05:23.776" v="733" actId="14100"/>
+          <ac:chgData name="佳曄 何" userId="22d0823ecc9cba8d" providerId="LiveId" clId="{A3078D75-3969-4F82-9F47-2D538A971BE5}" dt="2020-10-23T11:25:43.848" v="2443" actId="1076"/>
           <ac:picMkLst>
             <pc:docMk/>
             <pc:sldMk cId="2317962790" sldId="262"/>
@@ -555,7 +627,7 @@
           </ac:picMkLst>
         </pc:picChg>
         <pc:picChg chg="add mod">
-          <ac:chgData name="佳曄 何" userId="22d0823ecc9cba8d" providerId="LiveId" clId="{A3078D75-3969-4F82-9F47-2D538A971BE5}" dt="2020-10-22T02:05:09.864" v="730" actId="14100"/>
+          <ac:chgData name="佳曄 何" userId="22d0823ecc9cba8d" providerId="LiveId" clId="{A3078D75-3969-4F82-9F47-2D538A971BE5}" dt="2020-10-23T11:25:45.873" v="2444" actId="1076"/>
           <ac:picMkLst>
             <pc:docMk/>
             <pc:sldMk cId="2317962790" sldId="262"/>
@@ -563,7 +635,7 @@
           </ac:picMkLst>
         </pc:picChg>
         <pc:picChg chg="add mod">
-          <ac:chgData name="佳曄 何" userId="22d0823ecc9cba8d" providerId="LiveId" clId="{A3078D75-3969-4F82-9F47-2D538A971BE5}" dt="2020-10-22T02:04:57.728" v="729" actId="14100"/>
+          <ac:chgData name="佳曄 何" userId="22d0823ecc9cba8d" providerId="LiveId" clId="{A3078D75-3969-4F82-9F47-2D538A971BE5}" dt="2020-10-23T11:25:47.256" v="2445" actId="1076"/>
           <ac:picMkLst>
             <pc:docMk/>
             <pc:sldMk cId="2317962790" sldId="262"/>
@@ -587,16 +659,24 @@
           </ac:picMkLst>
         </pc:picChg>
         <pc:picChg chg="add mod">
-          <ac:chgData name="佳曄 何" userId="22d0823ecc9cba8d" providerId="LiveId" clId="{A3078D75-3969-4F82-9F47-2D538A971BE5}" dt="2020-10-22T02:04:50.016" v="728" actId="14100"/>
+          <ac:chgData name="佳曄 何" userId="22d0823ecc9cba8d" providerId="LiveId" clId="{A3078D75-3969-4F82-9F47-2D538A971BE5}" dt="2020-10-23T11:27:48.352" v="2594" actId="1076"/>
           <ac:picMkLst>
             <pc:docMk/>
             <pc:sldMk cId="2317962790" sldId="262"/>
             <ac:picMk id="21" creationId="{F36479EE-2F26-4550-81EB-0CE8490D8453}"/>
           </ac:picMkLst>
         </pc:picChg>
+        <pc:cxnChg chg="add mod">
+          <ac:chgData name="佳曄 何" userId="22d0823ecc9cba8d" providerId="LiveId" clId="{A3078D75-3969-4F82-9F47-2D538A971BE5}" dt="2020-10-23T11:30:33.808" v="2622" actId="14100"/>
+          <ac:cxnSpMkLst>
+            <pc:docMk/>
+            <pc:sldMk cId="2317962790" sldId="262"/>
+            <ac:cxnSpMk id="13" creationId="{C9B6BE9A-01CD-4A86-ACB6-D2339538DC51}"/>
+          </ac:cxnSpMkLst>
+        </pc:cxnChg>
       </pc:sldChg>
       <pc:sldChg chg="addSp delSp modSp new mod">
-        <pc:chgData name="佳曄 何" userId="22d0823ecc9cba8d" providerId="LiveId" clId="{A3078D75-3969-4F82-9F47-2D538A971BE5}" dt="2020-10-22T02:51:36.214" v="995" actId="1076"/>
+        <pc:chgData name="佳曄 何" userId="22d0823ecc9cba8d" providerId="LiveId" clId="{A3078D75-3969-4F82-9F47-2D538A971BE5}" dt="2020-10-23T12:36:51.070" v="4585" actId="947"/>
         <pc:sldMkLst>
           <pc:docMk/>
           <pc:sldMk cId="27791717" sldId="263"/>
@@ -617,6 +697,14 @@
             <ac:spMk id="3" creationId="{F16D398C-75A6-4529-9CE6-F2D8F86CCC56}"/>
           </ac:spMkLst>
         </pc:spChg>
+        <pc:spChg chg="add mod">
+          <ac:chgData name="佳曄 何" userId="22d0823ecc9cba8d" providerId="LiveId" clId="{A3078D75-3969-4F82-9F47-2D538A971BE5}" dt="2020-10-23T11:55:52.031" v="3304" actId="14100"/>
+          <ac:spMkLst>
+            <pc:docMk/>
+            <pc:sldMk cId="27791717" sldId="263"/>
+            <ac:spMk id="4" creationId="{0399E598-BC26-463D-8B76-BD40180AC102}"/>
+          </ac:spMkLst>
+        </pc:spChg>
         <pc:spChg chg="del mod">
           <ac:chgData name="佳曄 何" userId="22d0823ecc9cba8d" providerId="LiveId" clId="{A3078D75-3969-4F82-9F47-2D538A971BE5}" dt="2020-10-22T02:49:25.752" v="968" actId="931"/>
           <ac:spMkLst>
@@ -641,6 +729,22 @@
             <ac:spMk id="6" creationId="{856C4773-D005-4C3D-A1C4-3A2908F42AA8}"/>
           </ac:spMkLst>
         </pc:spChg>
+        <pc:spChg chg="add mod">
+          <ac:chgData name="佳曄 何" userId="22d0823ecc9cba8d" providerId="LiveId" clId="{A3078D75-3969-4F82-9F47-2D538A971BE5}" dt="2020-10-23T12:36:51.070" v="4585" actId="947"/>
+          <ac:spMkLst>
+            <pc:docMk/>
+            <pc:sldMk cId="27791717" sldId="263"/>
+            <ac:spMk id="22" creationId="{78C26A91-DC3B-453B-A88C-DA39621AD08A}"/>
+          </ac:spMkLst>
+        </pc:spChg>
+        <pc:graphicFrameChg chg="add mod modGraphic">
+          <ac:chgData name="佳曄 何" userId="22d0823ecc9cba8d" providerId="LiveId" clId="{A3078D75-3969-4F82-9F47-2D538A971BE5}" dt="2020-10-23T12:02:44.426" v="3449"/>
+          <ac:graphicFrameMkLst>
+            <pc:docMk/>
+            <pc:sldMk cId="27791717" sldId="263"/>
+            <ac:graphicFrameMk id="16" creationId="{DE161471-56B2-4564-92B2-1ACDD53FD190}"/>
+          </ac:graphicFrameMkLst>
+        </pc:graphicFrameChg>
         <pc:picChg chg="add mod">
           <ac:chgData name="佳曄 何" userId="22d0823ecc9cba8d" providerId="LiveId" clId="{A3078D75-3969-4F82-9F47-2D538A971BE5}" dt="2020-10-22T02:50:04.974" v="980" actId="14100"/>
           <ac:picMkLst>
@@ -666,7 +770,7 @@
           </ac:picMkLst>
         </pc:picChg>
         <pc:picChg chg="add mod">
-          <ac:chgData name="佳曄 何" userId="22d0823ecc9cba8d" providerId="LiveId" clId="{A3078D75-3969-4F82-9F47-2D538A971BE5}" dt="2020-10-22T02:51:36.214" v="995" actId="1076"/>
+          <ac:chgData name="佳曄 何" userId="22d0823ecc9cba8d" providerId="LiveId" clId="{A3078D75-3969-4F82-9F47-2D538A971BE5}" dt="2020-10-23T11:54:47.935" v="3301" actId="1076"/>
           <ac:picMkLst>
             <pc:docMk/>
             <pc:sldMk cId="27791717" sldId="263"/>
@@ -681,9 +785,33 @@
             <ac:picMk id="14" creationId="{53D93CE0-AFE3-4910-A8EE-9020D505806F}"/>
           </ac:picMkLst>
         </pc:picChg>
+        <pc:cxnChg chg="add del">
+          <ac:chgData name="佳曄 何" userId="22d0823ecc9cba8d" providerId="LiveId" clId="{A3078D75-3969-4F82-9F47-2D538A971BE5}" dt="2020-10-23T11:57:10.263" v="3306" actId="478"/>
+          <ac:cxnSpMkLst>
+            <pc:docMk/>
+            <pc:sldMk cId="27791717" sldId="263"/>
+            <ac:cxnSpMk id="7" creationId="{23CA466F-7FC8-4EAF-A20B-37FE54FE016C}"/>
+          </ac:cxnSpMkLst>
+        </pc:cxnChg>
+        <pc:cxnChg chg="add del mod">
+          <ac:chgData name="佳曄 何" userId="22d0823ecc9cba8d" providerId="LiveId" clId="{A3078D75-3969-4F82-9F47-2D538A971BE5}" dt="2020-10-23T11:57:45.528" v="3313" actId="478"/>
+          <ac:cxnSpMkLst>
+            <pc:docMk/>
+            <pc:sldMk cId="27791717" sldId="263"/>
+            <ac:cxnSpMk id="11" creationId="{4CF099BC-2E79-45C8-B586-82C43892BB0F}"/>
+          </ac:cxnSpMkLst>
+        </pc:cxnChg>
+        <pc:cxnChg chg="add mod">
+          <ac:chgData name="佳曄 何" userId="22d0823ecc9cba8d" providerId="LiveId" clId="{A3078D75-3969-4F82-9F47-2D538A971BE5}" dt="2020-10-23T12:01:38.223" v="3410" actId="14100"/>
+          <ac:cxnSpMkLst>
+            <pc:docMk/>
+            <pc:sldMk cId="27791717" sldId="263"/>
+            <ac:cxnSpMk id="18" creationId="{59BA8BAC-750E-4487-BC23-F96D7418B50B}"/>
+          </ac:cxnSpMkLst>
+        </pc:cxnChg>
       </pc:sldChg>
       <pc:sldChg chg="addSp delSp modSp new mod ord">
-        <pc:chgData name="佳曄 何" userId="22d0823ecc9cba8d" providerId="LiveId" clId="{A3078D75-3969-4F82-9F47-2D538A971BE5}" dt="2020-10-22T02:42:53.599" v="967" actId="14100"/>
+        <pc:chgData name="佳曄 何" userId="22d0823ecc9cba8d" providerId="LiveId" clId="{A3078D75-3969-4F82-9F47-2D538A971BE5}" dt="2020-10-23T11:53:14.971" v="3297" actId="255"/>
         <pc:sldMkLst>
           <pc:docMk/>
           <pc:sldMk cId="3842513454" sldId="264"/>
@@ -712,6 +840,14 @@
             <ac:spMk id="4" creationId="{E148B029-E430-40AE-83C7-B87E01C1757F}"/>
           </ac:spMkLst>
         </pc:spChg>
+        <pc:spChg chg="add mod">
+          <ac:chgData name="佳曄 何" userId="22d0823ecc9cba8d" providerId="LiveId" clId="{A3078D75-3969-4F82-9F47-2D538A971BE5}" dt="2020-10-23T11:47:09.477" v="3085" actId="207"/>
+          <ac:spMkLst>
+            <pc:docMk/>
+            <pc:sldMk cId="3842513454" sldId="264"/>
+            <ac:spMk id="4" creationId="{E61F83E4-C1CE-4188-B42D-C6E3757F3008}"/>
+          </ac:spMkLst>
+        </pc:spChg>
         <pc:spChg chg="mod">
           <ac:chgData name="佳曄 何" userId="22d0823ecc9cba8d" providerId="LiveId" clId="{A3078D75-3969-4F82-9F47-2D538A971BE5}" dt="2020-10-22T02:40:00.169" v="950" actId="2711"/>
           <ac:spMkLst>
@@ -728,6 +864,30 @@
             <ac:spMk id="6" creationId="{1FB98687-535C-423F-BA55-BF8112608FF9}"/>
           </ac:spMkLst>
         </pc:spChg>
+        <pc:spChg chg="add mod">
+          <ac:chgData name="佳曄 何" userId="22d0823ecc9cba8d" providerId="LiveId" clId="{A3078D75-3969-4F82-9F47-2D538A971BE5}" dt="2020-10-23T11:52:02.711" v="3258" actId="1076"/>
+          <ac:spMkLst>
+            <pc:docMk/>
+            <pc:sldMk cId="3842513454" sldId="264"/>
+            <ac:spMk id="18" creationId="{85466072-32A1-4B5A-AC72-CD351FB1EA22}"/>
+          </ac:spMkLst>
+        </pc:spChg>
+        <pc:graphicFrameChg chg="add mod modGraphic">
+          <ac:chgData name="佳曄 何" userId="22d0823ecc9cba8d" providerId="LiveId" clId="{A3078D75-3969-4F82-9F47-2D538A971BE5}" dt="2020-10-23T11:53:14.971" v="3297" actId="255"/>
+          <ac:graphicFrameMkLst>
+            <pc:docMk/>
+            <pc:sldMk cId="3842513454" sldId="264"/>
+            <ac:graphicFrameMk id="11" creationId="{C7A62CD1-6FAA-40DB-9302-35E47A532983}"/>
+          </ac:graphicFrameMkLst>
+        </pc:graphicFrameChg>
+        <pc:graphicFrameChg chg="add del mod">
+          <ac:chgData name="佳曄 何" userId="22d0823ecc9cba8d" providerId="LiveId" clId="{A3078D75-3969-4F82-9F47-2D538A971BE5}" dt="2020-10-23T11:52:50.851" v="3263" actId="478"/>
+          <ac:graphicFrameMkLst>
+            <pc:docMk/>
+            <pc:sldMk cId="3842513454" sldId="264"/>
+            <ac:graphicFrameMk id="21" creationId="{2EE5463A-76F5-4100-A212-C921FF200D97}"/>
+          </ac:graphicFrameMkLst>
+        </pc:graphicFrameChg>
         <pc:picChg chg="add mod">
           <ac:chgData name="佳曄 何" userId="22d0823ecc9cba8d" providerId="LiveId" clId="{A3078D75-3969-4F82-9F47-2D538A971BE5}" dt="2020-10-22T02:40:36.799" v="954" actId="1076"/>
           <ac:picMkLst>
@@ -768,9 +928,25 @@
             <ac:picMk id="14" creationId="{794F0BF8-2368-408A-A142-073868471195}"/>
           </ac:picMkLst>
         </pc:picChg>
+        <pc:cxnChg chg="add del mod">
+          <ac:chgData name="佳曄 何" userId="22d0823ecc9cba8d" providerId="LiveId" clId="{A3078D75-3969-4F82-9F47-2D538A971BE5}" dt="2020-10-23T11:50:38.720" v="3123" actId="478"/>
+          <ac:cxnSpMkLst>
+            <pc:docMk/>
+            <pc:sldMk cId="3842513454" sldId="264"/>
+            <ac:cxnSpMk id="9" creationId="{1F55DE99-C4DE-4970-9774-F25B19B6EA88}"/>
+          </ac:cxnSpMkLst>
+        </pc:cxnChg>
+        <pc:cxnChg chg="add mod">
+          <ac:chgData name="佳曄 何" userId="22d0823ecc9cba8d" providerId="LiveId" clId="{A3078D75-3969-4F82-9F47-2D538A971BE5}" dt="2020-10-23T11:52:36.511" v="3260" actId="14100"/>
+          <ac:cxnSpMkLst>
+            <pc:docMk/>
+            <pc:sldMk cId="3842513454" sldId="264"/>
+            <ac:cxnSpMk id="17" creationId="{B863B596-8BFD-4D1D-A28B-AD7CB741F99B}"/>
+          </ac:cxnSpMkLst>
+        </pc:cxnChg>
       </pc:sldChg>
       <pc:sldChg chg="addSp delSp modSp new mod">
-        <pc:chgData name="佳曄 何" userId="22d0823ecc9cba8d" providerId="LiveId" clId="{A3078D75-3969-4F82-9F47-2D538A971BE5}" dt="2020-10-22T14:18:27.383" v="1443" actId="14100"/>
+        <pc:chgData name="佳曄 何" userId="22d0823ecc9cba8d" providerId="LiveId" clId="{A3078D75-3969-4F82-9F47-2D538A971BE5}" dt="2020-10-23T12:36:40.487" v="4584" actId="947"/>
         <pc:sldMkLst>
           <pc:docMk/>
           <pc:sldMk cId="3806526778" sldId="265"/>
@@ -799,6 +975,14 @@
             <ac:spMk id="4" creationId="{D340A573-D8D2-4AC5-A78C-A24AD4FCC95B}"/>
           </ac:spMkLst>
         </pc:spChg>
+        <pc:spChg chg="add mod">
+          <ac:chgData name="佳曄 何" userId="22d0823ecc9cba8d" providerId="LiveId" clId="{A3078D75-3969-4F82-9F47-2D538A971BE5}" dt="2020-10-23T12:08:17.783" v="3536" actId="208"/>
+          <ac:spMkLst>
+            <pc:docMk/>
+            <pc:sldMk cId="3806526778" sldId="265"/>
+            <ac:spMk id="4" creationId="{EDD8BBAA-58CB-406B-B84B-2FA2E4A667E2}"/>
+          </ac:spMkLst>
+        </pc:spChg>
         <pc:spChg chg="mod">
           <ac:chgData name="佳曄 何" userId="22d0823ecc9cba8d" providerId="LiveId" clId="{A3078D75-3969-4F82-9F47-2D538A971BE5}" dt="2020-10-22T02:57:43.489" v="1035" actId="2711"/>
           <ac:spMkLst>
@@ -815,6 +999,14 @@
             <ac:spMk id="6" creationId="{B32494B1-4052-49EB-A896-9CB09AD2E813}"/>
           </ac:spMkLst>
         </pc:spChg>
+        <pc:spChg chg="add mod">
+          <ac:chgData name="佳曄 何" userId="22d0823ecc9cba8d" providerId="LiveId" clId="{A3078D75-3969-4F82-9F47-2D538A971BE5}" dt="2020-10-23T12:36:40.487" v="4584" actId="947"/>
+          <ac:spMkLst>
+            <pc:docMk/>
+            <pc:sldMk cId="3806526778" sldId="265"/>
+            <ac:spMk id="11" creationId="{4C509D55-4658-499B-8BA4-24C47DB03C15}"/>
+          </ac:spMkLst>
+        </pc:spChg>
         <pc:spChg chg="add del mod">
           <ac:chgData name="佳曄 何" userId="22d0823ecc9cba8d" providerId="LiveId" clId="{A3078D75-3969-4F82-9F47-2D538A971BE5}" dt="2020-10-22T14:10:27.872" v="1352" actId="22"/>
           <ac:spMkLst>
@@ -823,6 +1015,14 @@
             <ac:spMk id="11" creationId="{F6568771-73A1-44DE-B336-3634F2621F6B}"/>
           </ac:spMkLst>
         </pc:spChg>
+        <pc:graphicFrameChg chg="add mod modGraphic">
+          <ac:chgData name="佳曄 何" userId="22d0823ecc9cba8d" providerId="LiveId" clId="{A3078D75-3969-4F82-9F47-2D538A971BE5}" dt="2020-10-23T12:23:10.359" v="4034" actId="20577"/>
+          <ac:graphicFrameMkLst>
+            <pc:docMk/>
+            <pc:sldMk cId="3806526778" sldId="265"/>
+            <ac:graphicFrameMk id="9" creationId="{7E6921DA-E519-4743-AFC9-41236E5C712F}"/>
+          </ac:graphicFrameMkLst>
+        </pc:graphicFrameChg>
         <pc:picChg chg="add mod">
           <ac:chgData name="佳曄 何" userId="22d0823ecc9cba8d" providerId="LiveId" clId="{A3078D75-3969-4F82-9F47-2D538A971BE5}" dt="2020-10-22T02:58:22.190" v="1039" actId="1076"/>
           <ac:picMkLst>
@@ -863,9 +1063,17 @@
             <ac:picMk id="14" creationId="{A7258427-0F0D-4BF6-9C11-DF4304AC23E2}"/>
           </ac:picMkLst>
         </pc:picChg>
+        <pc:cxnChg chg="add mod">
+          <ac:chgData name="佳曄 何" userId="22d0823ecc9cba8d" providerId="LiveId" clId="{A3078D75-3969-4F82-9F47-2D538A971BE5}" dt="2020-10-23T12:08:25.306" v="3538" actId="208"/>
+          <ac:cxnSpMkLst>
+            <pc:docMk/>
+            <pc:sldMk cId="3806526778" sldId="265"/>
+            <ac:cxnSpMk id="7" creationId="{0800AAE0-C707-459E-9EF9-E2406068B04B}"/>
+          </ac:cxnSpMkLst>
+        </pc:cxnChg>
       </pc:sldChg>
       <pc:sldChg chg="addSp delSp modSp new mod addCm delCm">
-        <pc:chgData name="佳曄 何" userId="22d0823ecc9cba8d" providerId="LiveId" clId="{A3078D75-3969-4F82-9F47-2D538A971BE5}" dt="2020-10-23T11:12:31.849" v="2436" actId="14100"/>
+        <pc:chgData name="佳曄 何" userId="22d0823ecc9cba8d" providerId="LiveId" clId="{A3078D75-3969-4F82-9F47-2D538A971BE5}" dt="2020-10-23T12:30:40.127" v="4366" actId="20577"/>
         <pc:sldMkLst>
           <pc:docMk/>
           <pc:sldMk cId="395561795" sldId="266"/>
@@ -894,12 +1102,28 @@
             <ac:spMk id="4" creationId="{4F975C2D-CD46-46DF-9C7E-095BDC97275F}"/>
           </ac:spMkLst>
         </pc:spChg>
+        <pc:spChg chg="add mod">
+          <ac:chgData name="佳曄 何" userId="22d0823ecc9cba8d" providerId="LiveId" clId="{A3078D75-3969-4F82-9F47-2D538A971BE5}" dt="2020-10-23T12:25:08.725" v="4117" actId="1076"/>
+          <ac:spMkLst>
+            <pc:docMk/>
+            <pc:sldMk cId="395561795" sldId="266"/>
+            <ac:spMk id="4" creationId="{C5816406-1016-40AE-8FD0-953D54188EC6}"/>
+          </ac:spMkLst>
+        </pc:spChg>
         <pc:spChg chg="mod">
           <ac:chgData name="佳曄 何" userId="22d0823ecc9cba8d" providerId="LiveId" clId="{A3078D75-3969-4F82-9F47-2D538A971BE5}" dt="2020-10-22T03:09:15.463" v="1283" actId="2711"/>
           <ac:spMkLst>
             <pc:docMk/>
             <pc:sldMk cId="395561795" sldId="266"/>
             <ac:spMk id="5" creationId="{CFACEDFF-861E-4FCC-AAE7-8B2E5E9365B4}"/>
+          </ac:spMkLst>
+        </pc:spChg>
+        <pc:spChg chg="add mod">
+          <ac:chgData name="佳曄 何" userId="22d0823ecc9cba8d" providerId="LiveId" clId="{A3078D75-3969-4F82-9F47-2D538A971BE5}" dt="2020-10-23T12:26:52.160" v="4120" actId="208"/>
+          <ac:spMkLst>
+            <pc:docMk/>
+            <pc:sldMk cId="395561795" sldId="266"/>
+            <ac:spMk id="6" creationId="{551C29B5-4EFD-48CB-A587-89CCCD37C7FB}"/>
           </ac:spMkLst>
         </pc:spChg>
         <pc:spChg chg="del">
@@ -926,6 +1150,14 @@
             <ac:spMk id="9" creationId="{4FB9353A-29E4-477E-9534-8D6B2D523D9C}"/>
           </ac:spMkLst>
         </pc:spChg>
+        <pc:graphicFrameChg chg="add mod modGraphic">
+          <ac:chgData name="佳曄 何" userId="22d0823ecc9cba8d" providerId="LiveId" clId="{A3078D75-3969-4F82-9F47-2D538A971BE5}" dt="2020-10-23T12:30:40.127" v="4366" actId="20577"/>
+          <ac:graphicFrameMkLst>
+            <pc:docMk/>
+            <pc:sldMk cId="395561795" sldId="266"/>
+            <ac:graphicFrameMk id="10" creationId="{8119B59C-E02E-4E17-9C0E-CC8DA45676B6}"/>
+          </ac:graphicFrameMkLst>
+        </pc:graphicFrameChg>
         <pc:picChg chg="add del mod">
           <ac:chgData name="佳曄 何" userId="22d0823ecc9cba8d" providerId="LiveId" clId="{A3078D75-3969-4F82-9F47-2D538A971BE5}" dt="2020-10-23T11:11:39.853" v="2422" actId="478"/>
           <ac:picMkLst>
@@ -998,9 +1230,17 @@
             <ac:picMk id="19" creationId="{529A80FA-8AC7-47F0-9A40-8E1FFBF79EE1}"/>
           </ac:picMkLst>
         </pc:picChg>
+        <pc:cxnChg chg="add mod">
+          <ac:chgData name="佳曄 何" userId="22d0823ecc9cba8d" providerId="LiveId" clId="{A3078D75-3969-4F82-9F47-2D538A971BE5}" dt="2020-10-23T12:28:18.694" v="4129" actId="14100"/>
+          <ac:cxnSpMkLst>
+            <pc:docMk/>
+            <pc:sldMk cId="395561795" sldId="266"/>
+            <ac:cxnSpMk id="8" creationId="{4BEB4D06-241F-49F6-AB69-96ADF14BC4A9}"/>
+          </ac:cxnSpMkLst>
+        </pc:cxnChg>
       </pc:sldChg>
       <pc:sldChg chg="addSp delSp modSp new mod ord">
-        <pc:chgData name="佳曄 何" userId="22d0823ecc9cba8d" providerId="LiveId" clId="{A3078D75-3969-4F82-9F47-2D538A971BE5}" dt="2020-10-23T11:10:50.625" v="2421" actId="1076"/>
+        <pc:chgData name="佳曄 何" userId="22d0823ecc9cba8d" providerId="LiveId" clId="{A3078D75-3969-4F82-9F47-2D538A971BE5}" dt="2020-10-23T12:34:55.065" v="4583"/>
         <pc:sldMkLst>
           <pc:docMk/>
           <pc:sldMk cId="1257803033" sldId="267"/>
@@ -1029,6 +1269,14 @@
             <ac:spMk id="4" creationId="{156CC910-FF9F-4F9E-B4CC-FE6D47B8DA87}"/>
           </ac:spMkLst>
         </pc:spChg>
+        <pc:spChg chg="add mod">
+          <ac:chgData name="佳曄 何" userId="22d0823ecc9cba8d" providerId="LiveId" clId="{A3078D75-3969-4F82-9F47-2D538A971BE5}" dt="2020-10-23T12:33:07.574" v="4488" actId="1076"/>
+          <ac:spMkLst>
+            <pc:docMk/>
+            <pc:sldMk cId="1257803033" sldId="267"/>
+            <ac:spMk id="4" creationId="{E5A5B735-C438-4090-BE07-5258EA3582E8}"/>
+          </ac:spMkLst>
+        </pc:spChg>
         <pc:spChg chg="mod">
           <ac:chgData name="佳曄 何" userId="22d0823ecc9cba8d" providerId="LiveId" clId="{A3078D75-3969-4F82-9F47-2D538A971BE5}" dt="2020-10-22T03:01:24.584" v="1169" actId="2711"/>
           <ac:spMkLst>
@@ -1045,6 +1293,22 @@
             <ac:spMk id="6" creationId="{64B52DBA-D57F-4F02-8955-3D4DED1AEC37}"/>
           </ac:spMkLst>
         </pc:spChg>
+        <pc:spChg chg="add mod">
+          <ac:chgData name="佳曄 何" userId="22d0823ecc9cba8d" providerId="LiveId" clId="{A3078D75-3969-4F82-9F47-2D538A971BE5}" dt="2020-10-23T12:33:43.448" v="4491" actId="208"/>
+          <ac:spMkLst>
+            <pc:docMk/>
+            <pc:sldMk cId="1257803033" sldId="267"/>
+            <ac:spMk id="7" creationId="{EFE17379-19F2-4655-AEC7-C7895F2EE5A0}"/>
+          </ac:spMkLst>
+        </pc:spChg>
+        <pc:graphicFrameChg chg="add mod modGraphic">
+          <ac:chgData name="佳曄 何" userId="22d0823ecc9cba8d" providerId="LiveId" clId="{A3078D75-3969-4F82-9F47-2D538A971BE5}" dt="2020-10-23T12:34:55.065" v="4583"/>
+          <ac:graphicFrameMkLst>
+            <pc:docMk/>
+            <pc:sldMk cId="1257803033" sldId="267"/>
+            <ac:graphicFrameMk id="18" creationId="{53FB3CD9-8761-425E-866F-0C61C1394C1D}"/>
+          </ac:graphicFrameMkLst>
+        </pc:graphicFrameChg>
         <pc:picChg chg="add del mod">
           <ac:chgData name="佳曄 何" userId="22d0823ecc9cba8d" providerId="LiveId" clId="{A3078D75-3969-4F82-9F47-2D538A971BE5}" dt="2020-10-23T11:10:48.497" v="2420" actId="478"/>
           <ac:picMkLst>
@@ -1101,6 +1365,14 @@
             <ac:picMk id="14" creationId="{552BC6E6-814D-472A-8E31-33A0F9B7092D}"/>
           </ac:picMkLst>
         </pc:picChg>
+        <pc:cxnChg chg="add mod">
+          <ac:chgData name="佳曄 何" userId="22d0823ecc9cba8d" providerId="LiveId" clId="{A3078D75-3969-4F82-9F47-2D538A971BE5}" dt="2020-10-23T12:34:04.301" v="4497" actId="14100"/>
+          <ac:cxnSpMkLst>
+            <pc:docMk/>
+            <pc:sldMk cId="1257803033" sldId="267"/>
+            <ac:cxnSpMk id="11" creationId="{825A428C-AD20-4B89-BF33-10C280FA5306}"/>
+          </ac:cxnSpMkLst>
+        </pc:cxnChg>
       </pc:sldChg>
       <pc:sldChg chg="modSp new del mod">
         <pc:chgData name="佳曄 何" userId="22d0823ecc9cba8d" providerId="LiveId" clId="{A3078D75-3969-4F82-9F47-2D538A971BE5}" dt="2020-10-22T03:04:43.018" v="1188" actId="47"/>
@@ -1189,7 +1461,7 @@
         </pc:picChg>
       </pc:sldChg>
       <pc:sldChg chg="addSp modSp new mod">
-        <pc:chgData name="佳曄 何" userId="22d0823ecc9cba8d" providerId="LiveId" clId="{A3078D75-3969-4F82-9F47-2D538A971BE5}" dt="2020-10-22T15:55:19.515" v="2395" actId="1076"/>
+        <pc:chgData name="佳曄 何" userId="22d0823ecc9cba8d" providerId="LiveId" clId="{A3078D75-3969-4F82-9F47-2D538A971BE5}" dt="2020-10-23T11:15:56.645" v="2438"/>
         <pc:sldMkLst>
           <pc:docMk/>
           <pc:sldMk cId="3766450493" sldId="270"/>
@@ -1267,7 +1539,7 @@
           </ac:spMkLst>
         </pc:spChg>
         <pc:spChg chg="add mod">
-          <ac:chgData name="佳曄 何" userId="22d0823ecc9cba8d" providerId="LiveId" clId="{A3078D75-3969-4F82-9F47-2D538A971BE5}" dt="2020-10-22T15:55:19.515" v="2395" actId="1076"/>
+          <ac:chgData name="佳曄 何" userId="22d0823ecc9cba8d" providerId="LiveId" clId="{A3078D75-3969-4F82-9F47-2D538A971BE5}" dt="2020-10-23T11:15:56.645" v="2438"/>
           <ac:spMkLst>
             <pc:docMk/>
             <pc:sldMk cId="3766450493" sldId="270"/>
@@ -1298,7 +1570,7 @@
         </pc:spChg>
       </pc:sldChg>
       <pc:sldChg chg="addSp delSp modSp new mod ord">
-        <pc:chgData name="佳曄 何" userId="22d0823ecc9cba8d" providerId="LiveId" clId="{A3078D75-3969-4F82-9F47-2D538A971BE5}" dt="2020-10-23T11:06:59.321" v="2415" actId="1076"/>
+        <pc:chgData name="佳曄 何" userId="22d0823ecc9cba8d" providerId="LiveId" clId="{A3078D75-3969-4F82-9F47-2D538A971BE5}" dt="2020-10-23T12:39:24.617" v="4689" actId="478"/>
         <pc:sldMkLst>
           <pc:docMk/>
           <pc:sldMk cId="2948231338" sldId="273"/>
@@ -1312,7 +1584,7 @@
           </ac:spMkLst>
         </pc:spChg>
         <pc:spChg chg="mod">
-          <ac:chgData name="佳曄 何" userId="22d0823ecc9cba8d" providerId="LiveId" clId="{A3078D75-3969-4F82-9F47-2D538A971BE5}" dt="2020-10-22T14:10:57.252" v="1412" actId="2711"/>
+          <ac:chgData name="佳曄 何" userId="22d0823ecc9cba8d" providerId="LiveId" clId="{A3078D75-3969-4F82-9F47-2D538A971BE5}" dt="2020-10-23T12:18:13.586" v="3843"/>
           <ac:spMkLst>
             <pc:docMk/>
             <pc:sldMk cId="2948231338" sldId="273"/>
@@ -1336,6 +1608,14 @@
           </ac:spMkLst>
         </pc:spChg>
         <pc:spChg chg="add del mod">
+          <ac:chgData name="佳曄 何" userId="22d0823ecc9cba8d" providerId="LiveId" clId="{A3078D75-3969-4F82-9F47-2D538A971BE5}" dt="2020-10-23T12:39:24.617" v="4689" actId="478"/>
+          <ac:spMkLst>
+            <pc:docMk/>
+            <pc:sldMk cId="2948231338" sldId="273"/>
+            <ac:spMk id="6" creationId="{3F1D1D8C-C459-450E-A476-A171236D41ED}"/>
+          </ac:spMkLst>
+        </pc:spChg>
+        <pc:spChg chg="add del mod">
           <ac:chgData name="佳曄 何" userId="22d0823ecc9cba8d" providerId="LiveId" clId="{A3078D75-3969-4F82-9F47-2D538A971BE5}" dt="2020-10-23T11:06:03.369" v="2406" actId="931"/>
           <ac:spMkLst>
             <pc:docMk/>
@@ -1359,6 +1639,14 @@
             <ac:spMk id="9" creationId="{D410835A-882D-484A-9737-C7CCD9BA2489}"/>
           </ac:spMkLst>
         </pc:spChg>
+        <pc:picChg chg="add mod">
+          <ac:chgData name="佳曄 何" userId="22d0823ecc9cba8d" providerId="LiveId" clId="{A3078D75-3969-4F82-9F47-2D538A971BE5}" dt="2020-10-23T12:17:18.606" v="3762" actId="1076"/>
+          <ac:picMkLst>
+            <pc:docMk/>
+            <pc:sldMk cId="2948231338" sldId="273"/>
+            <ac:picMk id="4" creationId="{A34339BC-3A45-46B6-A5C1-2620C5D466A7}"/>
+          </ac:picMkLst>
+        </pc:picChg>
         <pc:picChg chg="add del mod">
           <ac:chgData name="佳曄 何" userId="22d0823ecc9cba8d" providerId="LiveId" clId="{A3078D75-3969-4F82-9F47-2D538A971BE5}" dt="2020-10-23T11:03:37.956" v="2400" actId="478"/>
           <ac:picMkLst>
@@ -1383,8 +1671,8 @@
             <ac:picMk id="12" creationId="{1125039A-B405-4FED-8031-E04674D36801}"/>
           </ac:picMkLst>
         </pc:picChg>
-        <pc:picChg chg="add mod">
-          <ac:chgData name="佳曄 何" userId="22d0823ecc9cba8d" providerId="LiveId" clId="{A3078D75-3969-4F82-9F47-2D538A971BE5}" dt="2020-10-22T14:18:10.224" v="1442" actId="14100"/>
+        <pc:picChg chg="add del mod">
+          <ac:chgData name="佳曄 何" userId="22d0823ecc9cba8d" providerId="LiveId" clId="{A3078D75-3969-4F82-9F47-2D538A971BE5}" dt="2020-10-23T12:17:08.423" v="3757" actId="478"/>
           <ac:picMkLst>
             <pc:docMk/>
             <pc:sldMk cId="2948231338" sldId="273"/>
@@ -11546,7 +11834,7 @@
                 <a:latin typeface="標楷體" panose="03000509000000000000" pitchFamily="65" charset="-120"/>
                 <a:ea typeface="標楷體" panose="03000509000000000000" pitchFamily="65" charset="-120"/>
               </a:rPr>
-              <a:t>圖像型態轉換</a:t>
+              <a:t>圖像型態學</a:t>
             </a:r>
           </a:p>
         </p:txBody>
@@ -11584,36 +11872,6 @@
       </p:sp>
       <p:pic>
         <p:nvPicPr>
-          <p:cNvPr id="13" name="圖片 12">
-            <a:extLst>
-              <a:ext uri="{FF2B5EF4-FFF2-40B4-BE49-F238E27FC236}">
-                <a16:creationId xmlns:a16="http://schemas.microsoft.com/office/drawing/2014/main" id="{EACFD4EC-4BCC-4D56-9241-7952FD08DE9A}"/>
-              </a:ext>
-            </a:extLst>
-          </p:cNvPr>
-          <p:cNvPicPr>
-            <a:picLocks noChangeAspect="1"/>
-          </p:cNvPicPr>
-          <p:nvPr/>
-        </p:nvPicPr>
-        <p:blipFill>
-          <a:blip r:embed="rId2"/>
-          <a:stretch>
-            <a:fillRect/>
-          </a:stretch>
-        </p:blipFill>
-        <p:spPr>
-          <a:xfrm>
-            <a:off x="6294122" y="2505074"/>
-            <a:ext cx="4861558" cy="923925"/>
-          </a:xfrm>
-          <a:prstGeom prst="rect">
-            <a:avLst/>
-          </a:prstGeom>
-        </p:spPr>
-      </p:pic>
-      <p:pic>
-        <p:nvPicPr>
           <p:cNvPr id="17" name="內容版面配置區 16">
             <a:extLst>
               <a:ext uri="{FF2B5EF4-FFF2-40B4-BE49-F238E27FC236}">
@@ -11629,7 +11887,7 @@
           </p:nvPr>
         </p:nvPicPr>
         <p:blipFill>
-          <a:blip r:embed="rId3">
+          <a:blip r:embed="rId2">
             <a:extLst>
               <a:ext uri="{28A0092B-C50C-407E-A947-70E740481C1C}">
                 <a14:useLocalDpi xmlns:a14="http://schemas.microsoft.com/office/drawing/2010/main" val="0"/>
@@ -11664,7 +11922,7 @@
           </p:nvPr>
         </p:nvPicPr>
         <p:blipFill>
-          <a:blip r:embed="rId4">
+          <a:blip r:embed="rId3">
             <a:extLst>
               <a:ext uri="{28A0092B-C50C-407E-A947-70E740481C1C}">
                 <a14:useLocalDpi xmlns:a14="http://schemas.microsoft.com/office/drawing/2010/main" val="0"/>
@@ -11697,7 +11955,7 @@
           <p:nvPr/>
         </p:nvPicPr>
         <p:blipFill>
-          <a:blip r:embed="rId5">
+          <a:blip r:embed="rId4">
             <a:extLst>
               <a:ext uri="{28A0092B-C50C-407E-A947-70E740481C1C}">
                 <a14:useLocalDpi xmlns:a14="http://schemas.microsoft.com/office/drawing/2010/main" val="0"/>
@@ -11733,7 +11991,7 @@
           <p:nvPr/>
         </p:nvPicPr>
         <p:blipFill>
-          <a:blip r:embed="rId6"/>
+          <a:blip r:embed="rId5"/>
           <a:stretch>
             <a:fillRect/>
           </a:stretch>
@@ -11742,6 +12000,36 @@
           <a:xfrm>
             <a:off x="6294122" y="3428999"/>
             <a:ext cx="3381375" cy="1590675"/>
+          </a:xfrm>
+          <a:prstGeom prst="rect">
+            <a:avLst/>
+          </a:prstGeom>
+        </p:spPr>
+      </p:pic>
+      <p:pic>
+        <p:nvPicPr>
+          <p:cNvPr id="4" name="圖片 3">
+            <a:extLst>
+              <a:ext uri="{FF2B5EF4-FFF2-40B4-BE49-F238E27FC236}">
+                <a16:creationId xmlns:a16="http://schemas.microsoft.com/office/drawing/2014/main" id="{A34339BC-3A45-46B6-A5C1-2620C5D466A7}"/>
+              </a:ext>
+            </a:extLst>
+          </p:cNvPr>
+          <p:cNvPicPr>
+            <a:picLocks noChangeAspect="1"/>
+          </p:cNvPicPr>
+          <p:nvPr/>
+        </p:nvPicPr>
+        <p:blipFill>
+          <a:blip r:embed="rId6"/>
+          <a:stretch>
+            <a:fillRect/>
+          </a:stretch>
+        </p:blipFill>
+        <p:spPr>
+          <a:xfrm>
+            <a:off x="6294122" y="2408464"/>
+            <a:ext cx="5049327" cy="1020535"/>
           </a:xfrm>
           <a:prstGeom prst="rect">
             <a:avLst/>
@@ -12051,6 +12339,326 @@
           </a:prstGeom>
         </p:spPr>
       </p:pic>
+      <p:sp>
+        <p:nvSpPr>
+          <p:cNvPr id="4" name="文字方塊 3">
+            <a:extLst>
+              <a:ext uri="{FF2B5EF4-FFF2-40B4-BE49-F238E27FC236}">
+                <a16:creationId xmlns:a16="http://schemas.microsoft.com/office/drawing/2014/main" id="{E5A5B735-C438-4090-BE07-5258EA3582E8}"/>
+              </a:ext>
+            </a:extLst>
+          </p:cNvPr>
+          <p:cNvSpPr txBox="1"/>
+          <p:nvPr/>
+        </p:nvSpPr>
+        <p:spPr>
+          <a:xfrm>
+            <a:off x="1097280" y="5678142"/>
+            <a:ext cx="3775393" cy="307777"/>
+          </a:xfrm>
+          <a:prstGeom prst="rect">
+            <a:avLst/>
+          </a:prstGeom>
+          <a:noFill/>
+        </p:spPr>
+        <p:txBody>
+          <a:bodyPr wrap="none" rtlCol="0">
+            <a:spAutoFit/>
+          </a:bodyPr>
+          <a:lstStyle/>
+          <a:p>
+            <a:r>
+              <a:rPr lang="zh-TW" altLang="en-US" sz="1400" dirty="0">
+                <a:latin typeface="標楷體" panose="03000509000000000000" pitchFamily="65" charset="-120"/>
+                <a:ea typeface="標楷體" panose="03000509000000000000" pitchFamily="65" charset="-120"/>
+              </a:rPr>
+              <a:t>圖像的膨脹和腐蝕用來做白色領域擴張及縮減</a:t>
+            </a:r>
+          </a:p>
+        </p:txBody>
+      </p:sp>
+      <p:sp>
+        <p:nvSpPr>
+          <p:cNvPr id="7" name="矩形 6">
+            <a:extLst>
+              <a:ext uri="{FF2B5EF4-FFF2-40B4-BE49-F238E27FC236}">
+                <a16:creationId xmlns:a16="http://schemas.microsoft.com/office/drawing/2014/main" id="{EFE17379-19F2-4655-AEC7-C7895F2EE5A0}"/>
+              </a:ext>
+            </a:extLst>
+          </p:cNvPr>
+          <p:cNvSpPr/>
+          <p:nvPr/>
+        </p:nvSpPr>
+        <p:spPr>
+          <a:xfrm>
+            <a:off x="7211833" y="2695492"/>
+            <a:ext cx="3768918" cy="421419"/>
+          </a:xfrm>
+          <a:prstGeom prst="rect">
+            <a:avLst/>
+          </a:prstGeom>
+          <a:noFill/>
+          <a:ln>
+            <a:solidFill>
+              <a:srgbClr val="FF0000"/>
+            </a:solidFill>
+          </a:ln>
+        </p:spPr>
+        <p:style>
+          <a:lnRef idx="2">
+            <a:schemeClr val="accent1">
+              <a:shade val="50000"/>
+            </a:schemeClr>
+          </a:lnRef>
+          <a:fillRef idx="1">
+            <a:schemeClr val="accent1"/>
+          </a:fillRef>
+          <a:effectRef idx="0">
+            <a:schemeClr val="accent1"/>
+          </a:effectRef>
+          <a:fontRef idx="minor">
+            <a:schemeClr val="lt1"/>
+          </a:fontRef>
+        </p:style>
+        <p:txBody>
+          <a:bodyPr rtlCol="0" anchor="ctr"/>
+          <a:lstStyle/>
+          <a:p>
+            <a:pPr algn="ctr"/>
+            <a:endParaRPr lang="zh-TW" altLang="en-US"/>
+          </a:p>
+        </p:txBody>
+      </p:sp>
+      <p:cxnSp>
+        <p:nvCxnSpPr>
+          <p:cNvPr id="11" name="接點: 肘形 10">
+            <a:extLst>
+              <a:ext uri="{FF2B5EF4-FFF2-40B4-BE49-F238E27FC236}">
+                <a16:creationId xmlns:a16="http://schemas.microsoft.com/office/drawing/2014/main" id="{825A428C-AD20-4B89-BF33-10C280FA5306}"/>
+              </a:ext>
+            </a:extLst>
+          </p:cNvPr>
+          <p:cNvCxnSpPr>
+            <a:cxnSpLocks/>
+          </p:cNvCxnSpPr>
+          <p:nvPr/>
+        </p:nvCxnSpPr>
+        <p:spPr>
+          <a:xfrm rot="16200000" flipH="1">
+            <a:off x="9740385" y="3180484"/>
+            <a:ext cx="706847" cy="579700"/>
+          </a:xfrm>
+          <a:prstGeom prst="bentConnector3">
+            <a:avLst/>
+          </a:prstGeom>
+          <a:ln>
+            <a:solidFill>
+              <a:srgbClr val="FF0000"/>
+            </a:solidFill>
+            <a:tailEnd type="triangle"/>
+          </a:ln>
+        </p:spPr>
+        <p:style>
+          <a:lnRef idx="1">
+            <a:schemeClr val="accent1"/>
+          </a:lnRef>
+          <a:fillRef idx="0">
+            <a:schemeClr val="accent1"/>
+          </a:fillRef>
+          <a:effectRef idx="0">
+            <a:schemeClr val="accent1"/>
+          </a:effectRef>
+          <a:fontRef idx="minor">
+            <a:schemeClr val="tx1"/>
+          </a:fontRef>
+        </p:style>
+      </p:cxnSp>
+      <p:graphicFrame>
+        <p:nvGraphicFramePr>
+          <p:cNvPr id="18" name="表格 17">
+            <a:extLst>
+              <a:ext uri="{FF2B5EF4-FFF2-40B4-BE49-F238E27FC236}">
+                <a16:creationId xmlns:a16="http://schemas.microsoft.com/office/drawing/2014/main" id="{53FB3CD9-8761-425E-866F-0C61C1394C1D}"/>
+              </a:ext>
+            </a:extLst>
+          </p:cNvPr>
+          <p:cNvGraphicFramePr>
+            <a:graphicFrameLocks noGrp="1"/>
+          </p:cNvGraphicFramePr>
+          <p:nvPr>
+            <p:extLst>
+              <p:ext uri="{D42A27DB-BD31-4B8C-83A1-F6EECF244321}">
+                <p14:modId xmlns:p14="http://schemas.microsoft.com/office/powerpoint/2010/main" val="3588626769"/>
+              </p:ext>
+            </p:extLst>
+          </p:nvPr>
+        </p:nvGraphicFramePr>
+        <p:xfrm>
+          <a:off x="9096292" y="3823758"/>
+          <a:ext cx="2928517" cy="1498862"/>
+        </p:xfrm>
+        <a:graphic>
+          <a:graphicData uri="http://schemas.openxmlformats.org/drawingml/2006/table">
+            <a:tbl>
+              <a:tblPr firstRow="1" bandRow="1">
+                <a:tableStyleId>{284E427A-3D55-4303-BF80-6455036E1DE7}</a:tableStyleId>
+              </a:tblPr>
+              <a:tblGrid>
+                <a:gridCol w="1139403">
+                  <a:extLst>
+                    <a:ext uri="{9D8B030D-6E8A-4147-A177-3AD203B41FA5}">
+                      <a16:colId xmlns:a16="http://schemas.microsoft.com/office/drawing/2014/main" val="1799077876"/>
+                    </a:ext>
+                  </a:extLst>
+                </a:gridCol>
+                <a:gridCol w="1789114">
+                  <a:extLst>
+                    <a:ext uri="{9D8B030D-6E8A-4147-A177-3AD203B41FA5}">
+                      <a16:colId xmlns:a16="http://schemas.microsoft.com/office/drawing/2014/main" val="2567328350"/>
+                    </a:ext>
+                  </a:extLst>
+                </a:gridCol>
+              </a:tblGrid>
+              <a:tr h="395006">
+                <a:tc gridSpan="2">
+                  <a:txBody>
+                    <a:bodyPr/>
+                    <a:lstStyle/>
+                    <a:p>
+                      <a:pPr algn="ctr"/>
+                      <a:r>
+                        <a:rPr lang="zh-TW" altLang="en-US" dirty="0">
+                          <a:latin typeface="標楷體" panose="03000509000000000000" pitchFamily="65" charset="-120"/>
+                          <a:ea typeface="標楷體" panose="03000509000000000000" pitchFamily="65" charset="-120"/>
+                        </a:rPr>
+                        <a:t>參數說明</a:t>
+                      </a:r>
+                    </a:p>
+                  </a:txBody>
+                  <a:tcPr/>
+                </a:tc>
+                <a:tc hMerge="1">
+                  <a:txBody>
+                    <a:bodyPr/>
+                    <a:lstStyle/>
+                    <a:p>
+                      <a:endParaRPr lang="zh-TW" altLang="en-US" dirty="0"/>
+                    </a:p>
+                  </a:txBody>
+                  <a:tcPr/>
+                </a:tc>
+                <a:extLst>
+                  <a:ext uri="{0D108BD9-81ED-4DB2-BD59-A6C34878D82A}">
+                    <a16:rowId xmlns:a16="http://schemas.microsoft.com/office/drawing/2014/main" val="454880199"/>
+                  </a:ext>
+                </a:extLst>
+              </a:tr>
+              <a:tr h="551928">
+                <a:tc>
+                  <a:txBody>
+                    <a:bodyPr/>
+                    <a:lstStyle/>
+                    <a:p>
+                      <a:pPr algn="ctr"/>
+                      <a:r>
+                        <a:rPr lang="en-US" altLang="zh-TW" sz="1400" dirty="0" err="1">
+                          <a:latin typeface="Times New Roman" panose="02020603050405020304" pitchFamily="18" charset="0"/>
+                          <a:ea typeface="標楷體" panose="03000509000000000000" pitchFamily="65" charset="-120"/>
+                          <a:cs typeface="Times New Roman" panose="02020603050405020304" pitchFamily="18" charset="0"/>
+                        </a:rPr>
+                        <a:t>iter_erode</a:t>
+                      </a:r>
+                      <a:endParaRPr lang="zh-TW" altLang="en-US" sz="1400" dirty="0">
+                        <a:latin typeface="Times New Roman" panose="02020603050405020304" pitchFamily="18" charset="0"/>
+                        <a:ea typeface="標楷體" panose="03000509000000000000" pitchFamily="65" charset="-120"/>
+                        <a:cs typeface="Times New Roman" panose="02020603050405020304" pitchFamily="18" charset="0"/>
+                      </a:endParaRPr>
+                    </a:p>
+                  </a:txBody>
+                  <a:tcPr anchor="ctr"/>
+                </a:tc>
+                <a:tc>
+                  <a:txBody>
+                    <a:bodyPr/>
+                    <a:lstStyle/>
+                    <a:p>
+                      <a:pPr algn="ctr"/>
+                      <a:r>
+                        <a:rPr lang="zh-TW" altLang="en-US" sz="1400" dirty="0">
+                          <a:latin typeface="標楷體" panose="03000509000000000000" pitchFamily="65" charset="-120"/>
+                          <a:ea typeface="標楷體" panose="03000509000000000000" pitchFamily="65" charset="-120"/>
+                        </a:rPr>
+                        <a:t>腐蝕次數</a:t>
+                      </a:r>
+                    </a:p>
+                  </a:txBody>
+                  <a:tcPr anchor="ctr"/>
+                </a:tc>
+                <a:extLst>
+                  <a:ext uri="{0D108BD9-81ED-4DB2-BD59-A6C34878D82A}">
+                    <a16:rowId xmlns:a16="http://schemas.microsoft.com/office/drawing/2014/main" val="3873748582"/>
+                  </a:ext>
+                </a:extLst>
+              </a:tr>
+              <a:tr h="551928">
+                <a:tc>
+                  <a:txBody>
+                    <a:bodyPr/>
+                    <a:lstStyle/>
+                    <a:p>
+                      <a:pPr algn="ctr"/>
+                      <a:r>
+                        <a:rPr lang="en-US" altLang="zh-TW" sz="1400" dirty="0" err="1">
+                          <a:latin typeface="Times New Roman" panose="02020603050405020304" pitchFamily="18" charset="0"/>
+                          <a:ea typeface="標楷體" panose="03000509000000000000" pitchFamily="65" charset="-120"/>
+                          <a:cs typeface="Times New Roman" panose="02020603050405020304" pitchFamily="18" charset="0"/>
+                        </a:rPr>
+                        <a:t>iter_dilate</a:t>
+                      </a:r>
+                      <a:r>
+                        <a:rPr lang="en-US" altLang="zh-TW" sz="1400" dirty="0">
+                          <a:latin typeface="Times New Roman" panose="02020603050405020304" pitchFamily="18" charset="0"/>
+                          <a:ea typeface="標楷體" panose="03000509000000000000" pitchFamily="65" charset="-120"/>
+                          <a:cs typeface="Times New Roman" panose="02020603050405020304" pitchFamily="18" charset="0"/>
+                        </a:rPr>
+                        <a:t> </a:t>
+                      </a:r>
+                      <a:endParaRPr lang="zh-TW" altLang="en-US" sz="1400" dirty="0">
+                        <a:latin typeface="Times New Roman" panose="02020603050405020304" pitchFamily="18" charset="0"/>
+                        <a:ea typeface="標楷體" panose="03000509000000000000" pitchFamily="65" charset="-120"/>
+                        <a:cs typeface="Times New Roman" panose="02020603050405020304" pitchFamily="18" charset="0"/>
+                      </a:endParaRPr>
+                    </a:p>
+                  </a:txBody>
+                  <a:tcPr anchor="ctr"/>
+                </a:tc>
+                <a:tc>
+                  <a:txBody>
+                    <a:bodyPr/>
+                    <a:lstStyle/>
+                    <a:p>
+                      <a:pPr algn="ctr"/>
+                      <a:r>
+                        <a:rPr lang="zh-TW" altLang="en-US" sz="1400" dirty="0">
+                          <a:latin typeface="標楷體" panose="03000509000000000000" pitchFamily="65" charset="-120"/>
+                          <a:ea typeface="標楷體" panose="03000509000000000000" pitchFamily="65" charset="-120"/>
+                        </a:rPr>
+                        <a:t>膨脹次數</a:t>
+                      </a:r>
+                    </a:p>
+                  </a:txBody>
+                  <a:tcPr anchor="ctr"/>
+                </a:tc>
+                <a:extLst>
+                  <a:ext uri="{0D108BD9-81ED-4DB2-BD59-A6C34878D82A}">
+                    <a16:rowId xmlns:a16="http://schemas.microsoft.com/office/drawing/2014/main" val="1924631745"/>
+                  </a:ext>
+                </a:extLst>
+              </a:tr>
+            </a:tbl>
+          </a:graphicData>
+        </a:graphic>
+      </p:graphicFrame>
     </p:spTree>
     <p:extLst>
       <p:ext uri="{BB962C8B-B14F-4D97-AF65-F5344CB8AC3E}">
@@ -12340,6 +12948,368 @@
           </a:prstGeom>
         </p:spPr>
       </p:pic>
+      <p:sp>
+        <p:nvSpPr>
+          <p:cNvPr id="4" name="文字方塊 3">
+            <a:extLst>
+              <a:ext uri="{FF2B5EF4-FFF2-40B4-BE49-F238E27FC236}">
+                <a16:creationId xmlns:a16="http://schemas.microsoft.com/office/drawing/2014/main" id="{C5816406-1016-40AE-8FD0-953D54188EC6}"/>
+              </a:ext>
+            </a:extLst>
+          </p:cNvPr>
+          <p:cNvSpPr txBox="1"/>
+          <p:nvPr/>
+        </p:nvSpPr>
+        <p:spPr>
+          <a:xfrm>
+            <a:off x="1097280" y="5636255"/>
+            <a:ext cx="2698175" cy="307777"/>
+          </a:xfrm>
+          <a:prstGeom prst="rect">
+            <a:avLst/>
+          </a:prstGeom>
+          <a:noFill/>
+        </p:spPr>
+        <p:txBody>
+          <a:bodyPr wrap="none" rtlCol="0">
+            <a:spAutoFit/>
+          </a:bodyPr>
+          <a:lstStyle/>
+          <a:p>
+            <a:r>
+              <a:rPr lang="zh-TW" altLang="en-US" sz="1400" dirty="0">
+                <a:latin typeface="標楷體" panose="03000509000000000000" pitchFamily="65" charset="-120"/>
+                <a:ea typeface="標楷體" panose="03000509000000000000" pitchFamily="65" charset="-120"/>
+              </a:rPr>
+              <a:t>使用邊緣檢測把外框給描繪出來</a:t>
+            </a:r>
+          </a:p>
+        </p:txBody>
+      </p:sp>
+      <p:sp>
+        <p:nvSpPr>
+          <p:cNvPr id="6" name="矩形 5">
+            <a:extLst>
+              <a:ext uri="{FF2B5EF4-FFF2-40B4-BE49-F238E27FC236}">
+                <a16:creationId xmlns:a16="http://schemas.microsoft.com/office/drawing/2014/main" id="{551C29B5-4EFD-48CB-A587-89CCCD37C7FB}"/>
+              </a:ext>
+            </a:extLst>
+          </p:cNvPr>
+          <p:cNvSpPr/>
+          <p:nvPr/>
+        </p:nvSpPr>
+        <p:spPr>
+          <a:xfrm>
+            <a:off x="7347005" y="2711395"/>
+            <a:ext cx="2934032" cy="230588"/>
+          </a:xfrm>
+          <a:prstGeom prst="rect">
+            <a:avLst/>
+          </a:prstGeom>
+          <a:noFill/>
+          <a:ln>
+            <a:solidFill>
+              <a:srgbClr val="FF0000"/>
+            </a:solidFill>
+          </a:ln>
+        </p:spPr>
+        <p:style>
+          <a:lnRef idx="2">
+            <a:schemeClr val="accent1">
+              <a:shade val="50000"/>
+            </a:schemeClr>
+          </a:lnRef>
+          <a:fillRef idx="1">
+            <a:schemeClr val="accent1"/>
+          </a:fillRef>
+          <a:effectRef idx="0">
+            <a:schemeClr val="accent1"/>
+          </a:effectRef>
+          <a:fontRef idx="minor">
+            <a:schemeClr val="lt1"/>
+          </a:fontRef>
+        </p:style>
+        <p:txBody>
+          <a:bodyPr rtlCol="0" anchor="ctr"/>
+          <a:lstStyle/>
+          <a:p>
+            <a:pPr algn="ctr"/>
+            <a:endParaRPr lang="zh-TW" altLang="en-US"/>
+          </a:p>
+        </p:txBody>
+      </p:sp>
+      <p:cxnSp>
+        <p:nvCxnSpPr>
+          <p:cNvPr id="8" name="接點: 肘形 7">
+            <a:extLst>
+              <a:ext uri="{FF2B5EF4-FFF2-40B4-BE49-F238E27FC236}">
+                <a16:creationId xmlns:a16="http://schemas.microsoft.com/office/drawing/2014/main" id="{4BEB4D06-241F-49F6-AB69-96ADF14BC4A9}"/>
+              </a:ext>
+            </a:extLst>
+          </p:cNvPr>
+          <p:cNvCxnSpPr>
+            <a:cxnSpLocks/>
+          </p:cNvCxnSpPr>
+          <p:nvPr/>
+        </p:nvCxnSpPr>
+        <p:spPr>
+          <a:xfrm rot="16200000" flipH="1">
+            <a:off x="9837394" y="3015438"/>
+            <a:ext cx="776178" cy="629271"/>
+          </a:xfrm>
+          <a:prstGeom prst="bentConnector3">
+            <a:avLst/>
+          </a:prstGeom>
+          <a:ln>
+            <a:solidFill>
+              <a:srgbClr val="FF0000"/>
+            </a:solidFill>
+            <a:tailEnd type="triangle"/>
+          </a:ln>
+        </p:spPr>
+        <p:style>
+          <a:lnRef idx="1">
+            <a:schemeClr val="accent1"/>
+          </a:lnRef>
+          <a:fillRef idx="0">
+            <a:schemeClr val="accent1"/>
+          </a:fillRef>
+          <a:effectRef idx="0">
+            <a:schemeClr val="accent1"/>
+          </a:effectRef>
+          <a:fontRef idx="minor">
+            <a:schemeClr val="tx1"/>
+          </a:fontRef>
+        </p:style>
+      </p:cxnSp>
+      <p:graphicFrame>
+        <p:nvGraphicFramePr>
+          <p:cNvPr id="10" name="表格 9">
+            <a:extLst>
+              <a:ext uri="{FF2B5EF4-FFF2-40B4-BE49-F238E27FC236}">
+                <a16:creationId xmlns:a16="http://schemas.microsoft.com/office/drawing/2014/main" id="{8119B59C-E02E-4E17-9C0E-CC8DA45676B6}"/>
+              </a:ext>
+            </a:extLst>
+          </p:cNvPr>
+          <p:cNvGraphicFramePr>
+            <a:graphicFrameLocks noGrp="1"/>
+          </p:cNvGraphicFramePr>
+          <p:nvPr>
+            <p:extLst>
+              <p:ext uri="{D42A27DB-BD31-4B8C-83A1-F6EECF244321}">
+                <p14:modId xmlns:p14="http://schemas.microsoft.com/office/powerpoint/2010/main" val="2234614796"/>
+              </p:ext>
+            </p:extLst>
+          </p:nvPr>
+        </p:nvGraphicFramePr>
+        <p:xfrm>
+          <a:off x="9191921" y="3708927"/>
+          <a:ext cx="2928517" cy="2443742"/>
+        </p:xfrm>
+        <a:graphic>
+          <a:graphicData uri="http://schemas.openxmlformats.org/drawingml/2006/table">
+            <a:tbl>
+              <a:tblPr firstRow="1" bandRow="1">
+                <a:tableStyleId>{284E427A-3D55-4303-BF80-6455036E1DE7}</a:tableStyleId>
+              </a:tblPr>
+              <a:tblGrid>
+                <a:gridCol w="1139403">
+                  <a:extLst>
+                    <a:ext uri="{9D8B030D-6E8A-4147-A177-3AD203B41FA5}">
+                      <a16:colId xmlns:a16="http://schemas.microsoft.com/office/drawing/2014/main" val="1799077876"/>
+                    </a:ext>
+                  </a:extLst>
+                </a:gridCol>
+                <a:gridCol w="1789114">
+                  <a:extLst>
+                    <a:ext uri="{9D8B030D-6E8A-4147-A177-3AD203B41FA5}">
+                      <a16:colId xmlns:a16="http://schemas.microsoft.com/office/drawing/2014/main" val="2567328350"/>
+                    </a:ext>
+                  </a:extLst>
+                </a:gridCol>
+              </a:tblGrid>
+              <a:tr h="395006">
+                <a:tc gridSpan="2">
+                  <a:txBody>
+                    <a:bodyPr/>
+                    <a:lstStyle/>
+                    <a:p>
+                      <a:pPr algn="ctr"/>
+                      <a:r>
+                        <a:rPr lang="zh-TW" altLang="en-US" dirty="0">
+                          <a:latin typeface="標楷體" panose="03000509000000000000" pitchFamily="65" charset="-120"/>
+                          <a:ea typeface="標楷體" panose="03000509000000000000" pitchFamily="65" charset="-120"/>
+                        </a:rPr>
+                        <a:t>參數說明</a:t>
+                      </a:r>
+                    </a:p>
+                  </a:txBody>
+                  <a:tcPr/>
+                </a:tc>
+                <a:tc hMerge="1">
+                  <a:txBody>
+                    <a:bodyPr/>
+                    <a:lstStyle/>
+                    <a:p>
+                      <a:endParaRPr lang="zh-TW" altLang="en-US" dirty="0"/>
+                    </a:p>
+                  </a:txBody>
+                  <a:tcPr/>
+                </a:tc>
+                <a:extLst>
+                  <a:ext uri="{0D108BD9-81ED-4DB2-BD59-A6C34878D82A}">
+                    <a16:rowId xmlns:a16="http://schemas.microsoft.com/office/drawing/2014/main" val="454880199"/>
+                  </a:ext>
+                </a:extLst>
+              </a:tr>
+              <a:tr h="551928">
+                <a:tc>
+                  <a:txBody>
+                    <a:bodyPr/>
+                    <a:lstStyle/>
+                    <a:p>
+                      <a:pPr algn="ctr"/>
+                      <a:r>
+                        <a:rPr lang="en-US" altLang="zh-TW" sz="1400" dirty="0" err="1">
+                          <a:latin typeface="Times New Roman" panose="02020603050405020304" pitchFamily="18" charset="0"/>
+                          <a:ea typeface="標楷體" panose="03000509000000000000" pitchFamily="65" charset="-120"/>
+                          <a:cs typeface="Times New Roman" panose="02020603050405020304" pitchFamily="18" charset="0"/>
+                        </a:rPr>
+                        <a:t>thres_min</a:t>
+                      </a:r>
+                      <a:endParaRPr lang="zh-TW" altLang="en-US" sz="1400" dirty="0">
+                        <a:latin typeface="Times New Roman" panose="02020603050405020304" pitchFamily="18" charset="0"/>
+                        <a:ea typeface="標楷體" panose="03000509000000000000" pitchFamily="65" charset="-120"/>
+                        <a:cs typeface="Times New Roman" panose="02020603050405020304" pitchFamily="18" charset="0"/>
+                      </a:endParaRPr>
+                    </a:p>
+                  </a:txBody>
+                  <a:tcPr anchor="ctr"/>
+                </a:tc>
+                <a:tc>
+                  <a:txBody>
+                    <a:bodyPr/>
+                    <a:lstStyle/>
+                    <a:p>
+                      <a:pPr algn="ctr"/>
+                      <a:r>
+                        <a:rPr lang="zh-TW" altLang="en-US" sz="1400" dirty="0">
+                          <a:latin typeface="標楷體" panose="03000509000000000000" pitchFamily="65" charset="-120"/>
+                          <a:ea typeface="標楷體" panose="03000509000000000000" pitchFamily="65" charset="-120"/>
+                        </a:rPr>
+                        <a:t>臨界最小值</a:t>
+                      </a:r>
+                    </a:p>
+                  </a:txBody>
+                  <a:tcPr anchor="ctr"/>
+                </a:tc>
+                <a:extLst>
+                  <a:ext uri="{0D108BD9-81ED-4DB2-BD59-A6C34878D82A}">
+                    <a16:rowId xmlns:a16="http://schemas.microsoft.com/office/drawing/2014/main" val="3873748582"/>
+                  </a:ext>
+                </a:extLst>
+              </a:tr>
+              <a:tr h="551928">
+                <a:tc>
+                  <a:txBody>
+                    <a:bodyPr/>
+                    <a:lstStyle/>
+                    <a:p>
+                      <a:pPr algn="ctr"/>
+                      <a:r>
+                        <a:rPr lang="en-US" altLang="zh-TW" sz="1400" dirty="0" err="1">
+                          <a:latin typeface="Times New Roman" panose="02020603050405020304" pitchFamily="18" charset="0"/>
+                          <a:ea typeface="標楷體" panose="03000509000000000000" pitchFamily="65" charset="-120"/>
+                          <a:cs typeface="Times New Roman" panose="02020603050405020304" pitchFamily="18" charset="0"/>
+                        </a:rPr>
+                        <a:t>thres_max</a:t>
+                      </a:r>
+                      <a:r>
+                        <a:rPr lang="en-US" altLang="zh-TW" sz="1400" dirty="0">
+                          <a:latin typeface="Times New Roman" panose="02020603050405020304" pitchFamily="18" charset="0"/>
+                          <a:ea typeface="標楷體" panose="03000509000000000000" pitchFamily="65" charset="-120"/>
+                          <a:cs typeface="Times New Roman" panose="02020603050405020304" pitchFamily="18" charset="0"/>
+                        </a:rPr>
+                        <a:t> </a:t>
+                      </a:r>
+                      <a:endParaRPr lang="zh-TW" altLang="en-US" sz="1400" dirty="0">
+                        <a:latin typeface="Times New Roman" panose="02020603050405020304" pitchFamily="18" charset="0"/>
+                        <a:ea typeface="標楷體" panose="03000509000000000000" pitchFamily="65" charset="-120"/>
+                        <a:cs typeface="Times New Roman" panose="02020603050405020304" pitchFamily="18" charset="0"/>
+                      </a:endParaRPr>
+                    </a:p>
+                  </a:txBody>
+                  <a:tcPr anchor="ctr"/>
+                </a:tc>
+                <a:tc>
+                  <a:txBody>
+                    <a:bodyPr/>
+                    <a:lstStyle/>
+                    <a:p>
+                      <a:pPr algn="ctr"/>
+                      <a:r>
+                        <a:rPr lang="zh-TW" altLang="en-US" sz="1400" dirty="0">
+                          <a:latin typeface="標楷體" panose="03000509000000000000" pitchFamily="65" charset="-120"/>
+                          <a:ea typeface="標楷體" panose="03000509000000000000" pitchFamily="65" charset="-120"/>
+                        </a:rPr>
+                        <a:t>臨界最大值</a:t>
+                      </a:r>
+                    </a:p>
+                  </a:txBody>
+                  <a:tcPr anchor="ctr"/>
+                </a:tc>
+                <a:extLst>
+                  <a:ext uri="{0D108BD9-81ED-4DB2-BD59-A6C34878D82A}">
+                    <a16:rowId xmlns:a16="http://schemas.microsoft.com/office/drawing/2014/main" val="1924631745"/>
+                  </a:ext>
+                </a:extLst>
+              </a:tr>
+              <a:tr h="551928">
+                <a:tc>
+                  <a:txBody>
+                    <a:bodyPr/>
+                    <a:lstStyle/>
+                    <a:p>
+                      <a:pPr algn="ctr"/>
+                      <a:r>
+                        <a:rPr lang="zh-TW" altLang="en-US" sz="1400" dirty="0">
+                          <a:latin typeface="Times New Roman" panose="02020603050405020304" pitchFamily="18" charset="0"/>
+                          <a:ea typeface="標楷體" panose="03000509000000000000" pitchFamily="65" charset="-120"/>
+                          <a:cs typeface="Times New Roman" panose="02020603050405020304" pitchFamily="18" charset="0"/>
+                        </a:rPr>
+                        <a:t>說明</a:t>
+                      </a:r>
+                    </a:p>
+                  </a:txBody>
+                  <a:tcPr anchor="ctr"/>
+                </a:tc>
+                <a:tc>
+                  <a:txBody>
+                    <a:bodyPr/>
+                    <a:lstStyle/>
+                    <a:p>
+                      <a:pPr algn="ctr"/>
+                      <a:r>
+                        <a:rPr lang="zh-TW" altLang="en-US" sz="1400" dirty="0">
+                          <a:latin typeface="標楷體" panose="03000509000000000000" pitchFamily="65" charset="-120"/>
+                          <a:ea typeface="標楷體" panose="03000509000000000000" pitchFamily="65" charset="-120"/>
+                        </a:rPr>
+                        <a:t>小於最小值捨棄，大於最大值為邊界，中間值則判斷是否相連，相連為邊界否則反之</a:t>
+                      </a:r>
+                    </a:p>
+                  </a:txBody>
+                  <a:tcPr anchor="ctr"/>
+                </a:tc>
+                <a:extLst>
+                  <a:ext uri="{0D108BD9-81ED-4DB2-BD59-A6C34878D82A}">
+                    <a16:rowId xmlns:a16="http://schemas.microsoft.com/office/drawing/2014/main" val="791193285"/>
+                  </a:ext>
+                </a:extLst>
+              </a:tr>
+            </a:tbl>
+          </a:graphicData>
+        </a:graphic>
+      </p:graphicFrame>
     </p:spTree>
     <p:extLst>
       <p:ext uri="{BB962C8B-B14F-4D97-AF65-F5344CB8AC3E}">
@@ -13472,7 +14442,7 @@
         <p:spPr>
           <a:xfrm>
             <a:off x="1097280" y="5592112"/>
-            <a:ext cx="6059672" cy="584775"/>
+            <a:ext cx="10952037" cy="584775"/>
           </a:xfrm>
           <a:prstGeom prst="rect">
             <a:avLst/>
@@ -13504,7 +14474,7 @@
                 <a:ea typeface="標楷體" panose="03000509000000000000" pitchFamily="65" charset="-120"/>
                 <a:hlinkClick r:id="rId2"/>
               </a:rPr>
-              <a:t>https://github.com/Sapphire0912/MyProgramming/tree/master/Practice</a:t>
+              <a:t>https://github.com/Sapphire0912/MyProgramming/tree/master/Practice/%E5%9C%96%E7%89%87%E8%BE%A8%E8%AD%98</a:t>
             </a:r>
             <a:endParaRPr lang="zh-TW" altLang="en-US" sz="1600" dirty="0">
               <a:latin typeface="Times New Roman" panose="02020603050405020304" pitchFamily="18" charset="0"/>
@@ -14155,7 +15125,7 @@
         </p:blipFill>
         <p:spPr>
           <a:xfrm>
-            <a:off x="1184547" y="2691024"/>
+            <a:off x="1140914" y="2463065"/>
             <a:ext cx="1478460" cy="3288356"/>
           </a:xfrm>
         </p:spPr>
@@ -14221,7 +15191,7 @@
         </p:blipFill>
         <p:spPr>
           <a:xfrm>
-            <a:off x="2663008" y="2691024"/>
+            <a:off x="2619374" y="2463065"/>
             <a:ext cx="1447944" cy="3288356"/>
           </a:xfrm>
           <a:prstGeom prst="rect">
@@ -14257,7 +15227,7 @@
         </p:blipFill>
         <p:spPr>
           <a:xfrm>
-            <a:off x="4110951" y="2691023"/>
+            <a:off x="4082575" y="2463064"/>
             <a:ext cx="1463203" cy="3288357"/>
           </a:xfrm>
           <a:prstGeom prst="rect">
@@ -14289,14 +15259,425 @@
         </p:blipFill>
         <p:spPr>
           <a:xfrm>
-            <a:off x="6218555" y="2582335"/>
-            <a:ext cx="4937125" cy="3397046"/>
+            <a:off x="6218555" y="2463063"/>
+            <a:ext cx="4937125" cy="3288357"/>
           </a:xfrm>
           <a:prstGeom prst="rect">
             <a:avLst/>
           </a:prstGeom>
         </p:spPr>
       </p:pic>
+      <p:sp>
+        <p:nvSpPr>
+          <p:cNvPr id="4" name="文字方塊 3">
+            <a:extLst>
+              <a:ext uri="{FF2B5EF4-FFF2-40B4-BE49-F238E27FC236}">
+                <a16:creationId xmlns:a16="http://schemas.microsoft.com/office/drawing/2014/main" id="{67D57BE9-3A6E-4E7C-9F0E-EA66337CA325}"/>
+              </a:ext>
+            </a:extLst>
+          </p:cNvPr>
+          <p:cNvSpPr txBox="1"/>
+          <p:nvPr/>
+        </p:nvSpPr>
+        <p:spPr>
+          <a:xfrm>
+            <a:off x="1219702" y="5751420"/>
+            <a:ext cx="4314001" cy="307777"/>
+          </a:xfrm>
+          <a:prstGeom prst="rect">
+            <a:avLst/>
+          </a:prstGeom>
+          <a:noFill/>
+        </p:spPr>
+        <p:txBody>
+          <a:bodyPr wrap="none" rtlCol="0">
+            <a:spAutoFit/>
+          </a:bodyPr>
+          <a:lstStyle/>
+          <a:p>
+            <a:r>
+              <a:rPr lang="zh-TW" altLang="en-US" sz="1400" dirty="0">
+                <a:latin typeface="標楷體" panose="03000509000000000000" pitchFamily="65" charset="-120"/>
+                <a:ea typeface="標楷體" panose="03000509000000000000" pitchFamily="65" charset="-120"/>
+              </a:rPr>
+              <a:t>擔心背景影響太大，因此先把辨識到的人先剪取出來</a:t>
+            </a:r>
+          </a:p>
+        </p:txBody>
+      </p:sp>
+      <p:sp>
+        <p:nvSpPr>
+          <p:cNvPr id="6" name="矩形 5">
+            <a:extLst>
+              <a:ext uri="{FF2B5EF4-FFF2-40B4-BE49-F238E27FC236}">
+                <a16:creationId xmlns:a16="http://schemas.microsoft.com/office/drawing/2014/main" id="{DC82E1EA-8DD4-48E2-8400-DC7FC8EA9ECC}"/>
+              </a:ext>
+            </a:extLst>
+          </p:cNvPr>
+          <p:cNvSpPr/>
+          <p:nvPr/>
+        </p:nvSpPr>
+        <p:spPr>
+          <a:xfrm>
+            <a:off x="6217920" y="3578087"/>
+            <a:ext cx="2679590" cy="604299"/>
+          </a:xfrm>
+          <a:prstGeom prst="rect">
+            <a:avLst/>
+          </a:prstGeom>
+          <a:noFill/>
+          <a:ln>
+            <a:solidFill>
+              <a:srgbClr val="FF0000"/>
+            </a:solidFill>
+          </a:ln>
+        </p:spPr>
+        <p:style>
+          <a:lnRef idx="2">
+            <a:schemeClr val="accent1">
+              <a:shade val="50000"/>
+            </a:schemeClr>
+          </a:lnRef>
+          <a:fillRef idx="1">
+            <a:schemeClr val="accent1"/>
+          </a:fillRef>
+          <a:effectRef idx="0">
+            <a:schemeClr val="accent1"/>
+          </a:effectRef>
+          <a:fontRef idx="minor">
+            <a:schemeClr val="lt1"/>
+          </a:fontRef>
+        </p:style>
+        <p:txBody>
+          <a:bodyPr rtlCol="0" anchor="ctr"/>
+          <a:lstStyle/>
+          <a:p>
+            <a:pPr algn="ctr"/>
+            <a:endParaRPr lang="zh-TW" altLang="en-US"/>
+          </a:p>
+        </p:txBody>
+      </p:sp>
+      <p:graphicFrame>
+        <p:nvGraphicFramePr>
+          <p:cNvPr id="10" name="表格 10">
+            <a:extLst>
+              <a:ext uri="{FF2B5EF4-FFF2-40B4-BE49-F238E27FC236}">
+                <a16:creationId xmlns:a16="http://schemas.microsoft.com/office/drawing/2014/main" id="{00080F17-84BC-4EA7-8175-129A1F2E0F25}"/>
+              </a:ext>
+            </a:extLst>
+          </p:cNvPr>
+          <p:cNvGraphicFramePr>
+            <a:graphicFrameLocks noGrp="1"/>
+          </p:cNvGraphicFramePr>
+          <p:nvPr>
+            <p:extLst>
+              <p:ext uri="{D42A27DB-BD31-4B8C-83A1-F6EECF244321}">
+                <p14:modId xmlns:p14="http://schemas.microsoft.com/office/powerpoint/2010/main" val="243690650"/>
+              </p:ext>
+            </p:extLst>
+          </p:nvPr>
+        </p:nvGraphicFramePr>
+        <p:xfrm>
+          <a:off x="8303079" y="4268060"/>
+          <a:ext cx="3456765" cy="1991360"/>
+        </p:xfrm>
+        <a:graphic>
+          <a:graphicData uri="http://schemas.openxmlformats.org/drawingml/2006/table">
+            <a:tbl>
+              <a:tblPr firstRow="1" bandRow="1">
+                <a:tableStyleId>{284E427A-3D55-4303-BF80-6455036E1DE7}</a:tableStyleId>
+              </a:tblPr>
+              <a:tblGrid>
+                <a:gridCol w="1357756">
+                  <a:extLst>
+                    <a:ext uri="{9D8B030D-6E8A-4147-A177-3AD203B41FA5}">
+                      <a16:colId xmlns:a16="http://schemas.microsoft.com/office/drawing/2014/main" val="1799077876"/>
+                    </a:ext>
+                  </a:extLst>
+                </a:gridCol>
+                <a:gridCol w="2099009">
+                  <a:extLst>
+                    <a:ext uri="{9D8B030D-6E8A-4147-A177-3AD203B41FA5}">
+                      <a16:colId xmlns:a16="http://schemas.microsoft.com/office/drawing/2014/main" val="2567328350"/>
+                    </a:ext>
+                  </a:extLst>
+                </a:gridCol>
+              </a:tblGrid>
+              <a:tr h="370840">
+                <a:tc gridSpan="2">
+                  <a:txBody>
+                    <a:bodyPr/>
+                    <a:lstStyle/>
+                    <a:p>
+                      <a:pPr algn="ctr"/>
+                      <a:r>
+                        <a:rPr lang="zh-TW" altLang="en-US" dirty="0">
+                          <a:latin typeface="標楷體" panose="03000509000000000000" pitchFamily="65" charset="-120"/>
+                          <a:ea typeface="標楷體" panose="03000509000000000000" pitchFamily="65" charset="-120"/>
+                        </a:rPr>
+                        <a:t>參數說明</a:t>
+                      </a:r>
+                    </a:p>
+                  </a:txBody>
+                  <a:tcPr/>
+                </a:tc>
+                <a:tc hMerge="1">
+                  <a:txBody>
+                    <a:bodyPr/>
+                    <a:lstStyle/>
+                    <a:p>
+                      <a:endParaRPr lang="zh-TW" altLang="en-US" dirty="0"/>
+                    </a:p>
+                  </a:txBody>
+                  <a:tcPr/>
+                </a:tc>
+                <a:extLst>
+                  <a:ext uri="{0D108BD9-81ED-4DB2-BD59-A6C34878D82A}">
+                    <a16:rowId xmlns:a16="http://schemas.microsoft.com/office/drawing/2014/main" val="454880199"/>
+                  </a:ext>
+                </a:extLst>
+              </a:tr>
+              <a:tr h="370840">
+                <a:tc>
+                  <a:txBody>
+                    <a:bodyPr/>
+                    <a:lstStyle/>
+                    <a:p>
+                      <a:pPr algn="ctr"/>
+                      <a:r>
+                        <a:rPr lang="en-US" altLang="zh-TW" sz="1400" dirty="0" err="1">
+                          <a:latin typeface="Times New Roman" panose="02020603050405020304" pitchFamily="18" charset="0"/>
+                          <a:ea typeface="標楷體" panose="03000509000000000000" pitchFamily="65" charset="-120"/>
+                          <a:cs typeface="Times New Roman" panose="02020603050405020304" pitchFamily="18" charset="0"/>
+                        </a:rPr>
+                        <a:t>scaleFactor</a:t>
+                      </a:r>
+                      <a:endParaRPr lang="zh-TW" altLang="en-US" sz="1400" dirty="0">
+                        <a:latin typeface="Times New Roman" panose="02020603050405020304" pitchFamily="18" charset="0"/>
+                        <a:ea typeface="標楷體" panose="03000509000000000000" pitchFamily="65" charset="-120"/>
+                        <a:cs typeface="Times New Roman" panose="02020603050405020304" pitchFamily="18" charset="0"/>
+                      </a:endParaRPr>
+                    </a:p>
+                  </a:txBody>
+                  <a:tcPr anchor="ctr"/>
+                </a:tc>
+                <a:tc>
+                  <a:txBody>
+                    <a:bodyPr/>
+                    <a:lstStyle/>
+                    <a:p>
+                      <a:pPr algn="ctr"/>
+                      <a:r>
+                        <a:rPr lang="zh-TW" altLang="en-US" sz="1400" b="0" i="0" kern="1200" dirty="0">
+                          <a:solidFill>
+                            <a:schemeClr val="dk1"/>
+                          </a:solidFill>
+                          <a:effectLst/>
+                          <a:latin typeface="標楷體" panose="03000509000000000000" pitchFamily="65" charset="-120"/>
+                          <a:ea typeface="標楷體" panose="03000509000000000000" pitchFamily="65" charset="-120"/>
+                          <a:cs typeface="+mn-cs"/>
+                        </a:rPr>
+                        <a:t>調整兩個不同大小的窗口掃描間有多大的跳躍</a:t>
+                      </a:r>
+                      <a:endParaRPr lang="zh-TW" altLang="en-US" sz="1400" dirty="0">
+                        <a:latin typeface="標楷體" panose="03000509000000000000" pitchFamily="65" charset="-120"/>
+                        <a:ea typeface="標楷體" panose="03000509000000000000" pitchFamily="65" charset="-120"/>
+                      </a:endParaRPr>
+                    </a:p>
+                  </a:txBody>
+                  <a:tcPr anchor="ctr"/>
+                </a:tc>
+                <a:extLst>
+                  <a:ext uri="{0D108BD9-81ED-4DB2-BD59-A6C34878D82A}">
+                    <a16:rowId xmlns:a16="http://schemas.microsoft.com/office/drawing/2014/main" val="3873748582"/>
+                  </a:ext>
+                </a:extLst>
+              </a:tr>
+              <a:tr h="370840">
+                <a:tc>
+                  <a:txBody>
+                    <a:bodyPr/>
+                    <a:lstStyle/>
+                    <a:p>
+                      <a:pPr algn="ctr"/>
+                      <a:r>
+                        <a:rPr lang="en-US" altLang="zh-TW" sz="1400" dirty="0" err="1">
+                          <a:latin typeface="Times New Roman" panose="02020603050405020304" pitchFamily="18" charset="0"/>
+                          <a:cs typeface="Times New Roman" panose="02020603050405020304" pitchFamily="18" charset="0"/>
+                        </a:rPr>
+                        <a:t>minNeighbors</a:t>
+                      </a:r>
+                      <a:endParaRPr lang="zh-TW" altLang="en-US" sz="1400" dirty="0">
+                        <a:latin typeface="Times New Roman" panose="02020603050405020304" pitchFamily="18" charset="0"/>
+                        <a:cs typeface="Times New Roman" panose="02020603050405020304" pitchFamily="18" charset="0"/>
+                      </a:endParaRPr>
+                    </a:p>
+                  </a:txBody>
+                  <a:tcPr anchor="ctr"/>
+                </a:tc>
+                <a:tc>
+                  <a:txBody>
+                    <a:bodyPr/>
+                    <a:lstStyle/>
+                    <a:p>
+                      <a:pPr algn="l"/>
+                      <a:r>
+                        <a:rPr lang="zh-TW" altLang="en-US" sz="1400" b="0" i="0" kern="1200" dirty="0">
+                          <a:solidFill>
+                            <a:schemeClr val="dk1"/>
+                          </a:solidFill>
+                          <a:effectLst/>
+                          <a:latin typeface="標楷體" panose="03000509000000000000" pitchFamily="65" charset="-120"/>
+                          <a:ea typeface="標楷體" panose="03000509000000000000" pitchFamily="65" charset="-120"/>
+                          <a:cs typeface="+mn-cs"/>
+                        </a:rPr>
+                        <a:t>構成偵測目標的相鄰矩形最小個數</a:t>
+                      </a:r>
+                      <a:r>
+                        <a:rPr lang="en-US" altLang="zh-TW" sz="1400" b="0" i="0" kern="1200" dirty="0">
+                          <a:solidFill>
+                            <a:schemeClr val="dk1"/>
+                          </a:solidFill>
+                          <a:effectLst/>
+                          <a:latin typeface="Times New Roman" panose="02020603050405020304" pitchFamily="18" charset="0"/>
+                          <a:ea typeface="標楷體" panose="03000509000000000000" pitchFamily="65" charset="-120"/>
+                          <a:cs typeface="Times New Roman" panose="02020603050405020304" pitchFamily="18" charset="0"/>
+                        </a:rPr>
+                        <a:t>(</a:t>
+                      </a:r>
+                      <a:r>
+                        <a:rPr lang="en-US" altLang="zh-TW" sz="1400" b="0" i="0" kern="1200" dirty="0" err="1">
+                          <a:solidFill>
+                            <a:schemeClr val="dk1"/>
+                          </a:solidFill>
+                          <a:effectLst/>
+                          <a:latin typeface="Times New Roman" panose="02020603050405020304" pitchFamily="18" charset="0"/>
+                          <a:ea typeface="+mn-ea"/>
+                          <a:cs typeface="Times New Roman" panose="02020603050405020304" pitchFamily="18" charset="0"/>
+                        </a:rPr>
+                        <a:t>minNeighbors</a:t>
+                      </a:r>
+                      <a:r>
+                        <a:rPr lang="en-US" altLang="zh-TW" sz="1400" b="0" i="0" kern="1200" dirty="0">
+                          <a:solidFill>
+                            <a:schemeClr val="dk1"/>
+                          </a:solidFill>
+                          <a:effectLst/>
+                          <a:latin typeface="Times New Roman" panose="02020603050405020304" pitchFamily="18" charset="0"/>
+                          <a:ea typeface="+mn-ea"/>
+                          <a:cs typeface="Times New Roman" panose="02020603050405020304" pitchFamily="18" charset="0"/>
+                        </a:rPr>
+                        <a:t> – 1)</a:t>
+                      </a:r>
+                      <a:endParaRPr lang="zh-TW" altLang="en-US" sz="1400" dirty="0">
+                        <a:latin typeface="Times New Roman" panose="02020603050405020304" pitchFamily="18" charset="0"/>
+                        <a:ea typeface="標楷體" panose="03000509000000000000" pitchFamily="65" charset="-120"/>
+                        <a:cs typeface="Times New Roman" panose="02020603050405020304" pitchFamily="18" charset="0"/>
+                      </a:endParaRPr>
+                    </a:p>
+                  </a:txBody>
+                  <a:tcPr anchor="ctr"/>
+                </a:tc>
+                <a:extLst>
+                  <a:ext uri="{0D108BD9-81ED-4DB2-BD59-A6C34878D82A}">
+                    <a16:rowId xmlns:a16="http://schemas.microsoft.com/office/drawing/2014/main" val="3598616913"/>
+                  </a:ext>
+                </a:extLst>
+              </a:tr>
+              <a:tr h="370840">
+                <a:tc>
+                  <a:txBody>
+                    <a:bodyPr/>
+                    <a:lstStyle/>
+                    <a:p>
+                      <a:pPr algn="ctr"/>
+                      <a:r>
+                        <a:rPr lang="en-US" altLang="zh-TW" sz="1400" dirty="0" err="1">
+                          <a:latin typeface="Times New Roman" panose="02020603050405020304" pitchFamily="18" charset="0"/>
+                          <a:cs typeface="Times New Roman" panose="02020603050405020304" pitchFamily="18" charset="0"/>
+                        </a:rPr>
+                        <a:t>minSize</a:t>
+                      </a:r>
+                      <a:endParaRPr lang="zh-TW" altLang="en-US" sz="1400" dirty="0">
+                        <a:latin typeface="Times New Roman" panose="02020603050405020304" pitchFamily="18" charset="0"/>
+                        <a:cs typeface="Times New Roman" panose="02020603050405020304" pitchFamily="18" charset="0"/>
+                      </a:endParaRPr>
+                    </a:p>
+                  </a:txBody>
+                  <a:tcPr anchor="ctr"/>
+                </a:tc>
+                <a:tc>
+                  <a:txBody>
+                    <a:bodyPr/>
+                    <a:lstStyle/>
+                    <a:p>
+                      <a:pPr algn="ctr"/>
+                      <a:r>
+                        <a:rPr lang="zh-TW" altLang="en-US" sz="1400" dirty="0">
+                          <a:latin typeface="標楷體" panose="03000509000000000000" pitchFamily="65" charset="-120"/>
+                          <a:ea typeface="標楷體" panose="03000509000000000000" pitchFamily="65" charset="-120"/>
+                        </a:rPr>
+                        <a:t>限制檢測目標的範圍</a:t>
+                      </a:r>
+                    </a:p>
+                  </a:txBody>
+                  <a:tcPr anchor="ctr"/>
+                </a:tc>
+                <a:extLst>
+                  <a:ext uri="{0D108BD9-81ED-4DB2-BD59-A6C34878D82A}">
+                    <a16:rowId xmlns:a16="http://schemas.microsoft.com/office/drawing/2014/main" val="1917601677"/>
+                  </a:ext>
+                </a:extLst>
+              </a:tr>
+            </a:tbl>
+          </a:graphicData>
+        </a:graphic>
+      </p:graphicFrame>
+      <p:cxnSp>
+        <p:nvCxnSpPr>
+          <p:cNvPr id="13" name="接點: 肘形 12">
+            <a:extLst>
+              <a:ext uri="{FF2B5EF4-FFF2-40B4-BE49-F238E27FC236}">
+                <a16:creationId xmlns:a16="http://schemas.microsoft.com/office/drawing/2014/main" id="{C9B6BE9A-01CD-4A86-ACB6-D2339538DC51}"/>
+              </a:ext>
+            </a:extLst>
+          </p:cNvPr>
+          <p:cNvCxnSpPr>
+            <a:cxnSpLocks/>
+            <a:endCxn id="10" idx="0"/>
+          </p:cNvCxnSpPr>
+          <p:nvPr/>
+        </p:nvCxnSpPr>
+        <p:spPr>
+          <a:xfrm>
+            <a:off x="8897510" y="3880236"/>
+            <a:ext cx="1133951" cy="387824"/>
+          </a:xfrm>
+          <a:prstGeom prst="bentConnector2">
+            <a:avLst/>
+          </a:prstGeom>
+          <a:ln>
+            <a:solidFill>
+              <a:srgbClr val="FF0000"/>
+            </a:solidFill>
+            <a:tailEnd type="triangle"/>
+          </a:ln>
+        </p:spPr>
+        <p:style>
+          <a:lnRef idx="1">
+            <a:schemeClr val="accent2"/>
+          </a:lnRef>
+          <a:fillRef idx="0">
+            <a:schemeClr val="accent2"/>
+          </a:fillRef>
+          <a:effectRef idx="0">
+            <a:schemeClr val="accent2"/>
+          </a:effectRef>
+          <a:fontRef idx="minor">
+            <a:schemeClr val="tx1"/>
+          </a:fontRef>
+        </p:style>
+      </p:cxnSp>
     </p:spTree>
     <p:extLst>
       <p:ext uri="{BB962C8B-B14F-4D97-AF65-F5344CB8AC3E}">
@@ -14454,7 +15835,7 @@
         </p:blipFill>
         <p:spPr>
           <a:xfrm>
-            <a:off x="2737427" y="2490107"/>
+            <a:off x="2737427" y="2397318"/>
             <a:ext cx="1692110" cy="3315834"/>
           </a:xfrm>
         </p:spPr>
@@ -14489,7 +15870,7 @@
         </p:blipFill>
         <p:spPr>
           <a:xfrm>
-            <a:off x="4412215" y="2490107"/>
+            <a:off x="4410675" y="2397318"/>
             <a:ext cx="1689100" cy="3315834"/>
           </a:xfrm>
         </p:spPr>
@@ -14522,7 +15903,7 @@
         </p:blipFill>
         <p:spPr>
           <a:xfrm>
-            <a:off x="1154548" y="2490107"/>
+            <a:off x="1137227" y="2397318"/>
             <a:ext cx="1600200" cy="3315834"/>
           </a:xfrm>
           <a:prstGeom prst="rect">
@@ -14552,7 +15933,7 @@
         </p:blipFill>
         <p:spPr>
           <a:xfrm>
-            <a:off x="6301328" y="2490107"/>
+            <a:off x="6301328" y="2402642"/>
             <a:ext cx="4572000" cy="1469643"/>
           </a:xfrm>
           <a:prstGeom prst="rect">
@@ -14582,7 +15963,7 @@
         </p:blipFill>
         <p:spPr>
           <a:xfrm>
-            <a:off x="6301328" y="3959750"/>
+            <a:off x="6301328" y="3872285"/>
             <a:ext cx="3571875" cy="2186608"/>
           </a:xfrm>
           <a:prstGeom prst="rect">
@@ -14590,6 +15971,199 @@
           </a:prstGeom>
         </p:spPr>
       </p:pic>
+      <p:sp>
+        <p:nvSpPr>
+          <p:cNvPr id="6" name="矩形 5">
+            <a:extLst>
+              <a:ext uri="{FF2B5EF4-FFF2-40B4-BE49-F238E27FC236}">
+                <a16:creationId xmlns:a16="http://schemas.microsoft.com/office/drawing/2014/main" id="{ACCFCE07-8523-41DE-986C-EBE35AF001B1}"/>
+              </a:ext>
+            </a:extLst>
+          </p:cNvPr>
+          <p:cNvSpPr/>
+          <p:nvPr/>
+        </p:nvSpPr>
+        <p:spPr>
+          <a:xfrm>
+            <a:off x="6663193" y="3595665"/>
+            <a:ext cx="4047214" cy="198782"/>
+          </a:xfrm>
+          <a:prstGeom prst="rect">
+            <a:avLst/>
+          </a:prstGeom>
+          <a:noFill/>
+          <a:ln>
+            <a:solidFill>
+              <a:srgbClr val="FF0000"/>
+            </a:solidFill>
+          </a:ln>
+        </p:spPr>
+        <p:style>
+          <a:lnRef idx="2">
+            <a:schemeClr val="accent1">
+              <a:shade val="50000"/>
+            </a:schemeClr>
+          </a:lnRef>
+          <a:fillRef idx="1">
+            <a:schemeClr val="accent1"/>
+          </a:fillRef>
+          <a:effectRef idx="0">
+            <a:schemeClr val="accent1"/>
+          </a:effectRef>
+          <a:fontRef idx="minor">
+            <a:schemeClr val="lt1"/>
+          </a:fontRef>
+        </p:style>
+        <p:txBody>
+          <a:bodyPr rtlCol="0" anchor="ctr"/>
+          <a:lstStyle/>
+          <a:p>
+            <a:pPr algn="ctr"/>
+            <a:endParaRPr lang="zh-TW" altLang="en-US"/>
+          </a:p>
+        </p:txBody>
+      </p:sp>
+      <p:cxnSp>
+        <p:nvCxnSpPr>
+          <p:cNvPr id="8" name="直線單箭頭接點 7">
+            <a:extLst>
+              <a:ext uri="{FF2B5EF4-FFF2-40B4-BE49-F238E27FC236}">
+                <a16:creationId xmlns:a16="http://schemas.microsoft.com/office/drawing/2014/main" id="{5F5A67D3-2B4E-4550-8B29-4C5957BEA101}"/>
+              </a:ext>
+            </a:extLst>
+          </p:cNvPr>
+          <p:cNvCxnSpPr/>
+          <p:nvPr/>
+        </p:nvCxnSpPr>
+        <p:spPr>
+          <a:xfrm>
+            <a:off x="10320793" y="3810351"/>
+            <a:ext cx="0" cy="962108"/>
+          </a:xfrm>
+          <a:prstGeom prst="straightConnector1">
+            <a:avLst/>
+          </a:prstGeom>
+          <a:ln>
+            <a:solidFill>
+              <a:srgbClr val="FF0000"/>
+            </a:solidFill>
+            <a:tailEnd type="triangle"/>
+          </a:ln>
+        </p:spPr>
+        <p:style>
+          <a:lnRef idx="1">
+            <a:schemeClr val="accent1"/>
+          </a:lnRef>
+          <a:fillRef idx="0">
+            <a:schemeClr val="accent1"/>
+          </a:fillRef>
+          <a:effectRef idx="0">
+            <a:schemeClr val="accent1"/>
+          </a:effectRef>
+          <a:fontRef idx="minor">
+            <a:schemeClr val="tx1"/>
+          </a:fontRef>
+        </p:style>
+      </p:cxnSp>
+      <p:sp>
+        <p:nvSpPr>
+          <p:cNvPr id="9" name="文字方塊 8">
+            <a:extLst>
+              <a:ext uri="{FF2B5EF4-FFF2-40B4-BE49-F238E27FC236}">
+                <a16:creationId xmlns:a16="http://schemas.microsoft.com/office/drawing/2014/main" id="{E9F4A52F-6954-4B7E-AB1A-837D6DCC3E49}"/>
+              </a:ext>
+            </a:extLst>
+          </p:cNvPr>
+          <p:cNvSpPr txBox="1"/>
+          <p:nvPr/>
+        </p:nvSpPr>
+        <p:spPr>
+          <a:xfrm>
+            <a:off x="9994789" y="4772459"/>
+            <a:ext cx="1620957" cy="338554"/>
+          </a:xfrm>
+          <a:prstGeom prst="rect">
+            <a:avLst/>
+          </a:prstGeom>
+          <a:noFill/>
+          <a:ln>
+            <a:solidFill>
+              <a:srgbClr val="FF0000"/>
+            </a:solidFill>
+          </a:ln>
+        </p:spPr>
+        <p:txBody>
+          <a:bodyPr wrap="none" rtlCol="0">
+            <a:spAutoFit/>
+          </a:bodyPr>
+          <a:lstStyle/>
+          <a:p>
+            <a:r>
+              <a:rPr lang="zh-TW" altLang="en-US" sz="1600" dirty="0">
+                <a:latin typeface="標楷體" panose="03000509000000000000" pitchFamily="65" charset="-120"/>
+                <a:ea typeface="標楷體" panose="03000509000000000000" pitchFamily="65" charset="-120"/>
+              </a:rPr>
+              <a:t>將圖片轉成灰階</a:t>
+            </a:r>
+          </a:p>
+        </p:txBody>
+      </p:sp>
+      <p:sp>
+        <p:nvSpPr>
+          <p:cNvPr id="10" name="文字方塊 9">
+            <a:extLst>
+              <a:ext uri="{FF2B5EF4-FFF2-40B4-BE49-F238E27FC236}">
+                <a16:creationId xmlns:a16="http://schemas.microsoft.com/office/drawing/2014/main" id="{0EFEDCB0-87C6-4439-91B7-9843A5B345DB}"/>
+              </a:ext>
+            </a:extLst>
+          </p:cNvPr>
+          <p:cNvSpPr txBox="1"/>
+          <p:nvPr/>
+        </p:nvSpPr>
+        <p:spPr>
+          <a:xfrm>
+            <a:off x="932756" y="5751116"/>
+            <a:ext cx="5301451" cy="307777"/>
+          </a:xfrm>
+          <a:prstGeom prst="rect">
+            <a:avLst/>
+          </a:prstGeom>
+          <a:noFill/>
+        </p:spPr>
+        <p:txBody>
+          <a:bodyPr wrap="none" rtlCol="0">
+            <a:spAutoFit/>
+          </a:bodyPr>
+          <a:lstStyle/>
+          <a:p>
+            <a:r>
+              <a:rPr lang="zh-TW" altLang="en-US" sz="1400" dirty="0">
+                <a:latin typeface="標楷體" panose="03000509000000000000" pitchFamily="65" charset="-120"/>
+                <a:ea typeface="標楷體" panose="03000509000000000000" pitchFamily="65" charset="-120"/>
+              </a:rPr>
+              <a:t>原始圖像有</a:t>
+            </a:r>
+            <a:r>
+              <a:rPr lang="en-US" altLang="zh-TW" sz="1400" dirty="0">
+                <a:latin typeface="標楷體" panose="03000509000000000000" pitchFamily="65" charset="-120"/>
+                <a:ea typeface="標楷體" panose="03000509000000000000" pitchFamily="65" charset="-120"/>
+              </a:rPr>
+              <a:t>RGB</a:t>
+            </a:r>
+            <a:r>
+              <a:rPr lang="zh-TW" altLang="en-US" sz="1400" dirty="0">
+                <a:latin typeface="標楷體" panose="03000509000000000000" pitchFamily="65" charset="-120"/>
+                <a:ea typeface="標楷體" panose="03000509000000000000" pitchFamily="65" charset="-120"/>
+              </a:rPr>
+              <a:t>三色，因此轉成灰階處理讓後續可以用二值法判斷</a:t>
+            </a:r>
+            <a:endParaRPr lang="en-US" altLang="zh-TW" sz="1400" dirty="0">
+              <a:latin typeface="標楷體" panose="03000509000000000000" pitchFamily="65" charset="-120"/>
+              <a:ea typeface="標楷體" panose="03000509000000000000" pitchFamily="65" charset="-120"/>
+            </a:endParaRPr>
+          </a:p>
+        </p:txBody>
+      </p:sp>
     </p:spTree>
     <p:extLst>
       <p:ext uri="{BB962C8B-B14F-4D97-AF65-F5344CB8AC3E}">
@@ -14882,6 +16456,328 @@
           </a:prstGeom>
         </p:spPr>
       </p:pic>
+      <p:sp>
+        <p:nvSpPr>
+          <p:cNvPr id="4" name="矩形 3">
+            <a:extLst>
+              <a:ext uri="{FF2B5EF4-FFF2-40B4-BE49-F238E27FC236}">
+                <a16:creationId xmlns:a16="http://schemas.microsoft.com/office/drawing/2014/main" id="{E61F83E4-C1CE-4188-B42D-C6E3757F3008}"/>
+              </a:ext>
+            </a:extLst>
+          </p:cNvPr>
+          <p:cNvSpPr/>
+          <p:nvPr/>
+        </p:nvSpPr>
+        <p:spPr>
+          <a:xfrm>
+            <a:off x="7291346" y="2846567"/>
+            <a:ext cx="2894275" cy="214685"/>
+          </a:xfrm>
+          <a:prstGeom prst="rect">
+            <a:avLst/>
+          </a:prstGeom>
+          <a:noFill/>
+          <a:ln>
+            <a:solidFill>
+              <a:srgbClr val="FF0000"/>
+            </a:solidFill>
+          </a:ln>
+        </p:spPr>
+        <p:style>
+          <a:lnRef idx="2">
+            <a:schemeClr val="accent1">
+              <a:shade val="50000"/>
+            </a:schemeClr>
+          </a:lnRef>
+          <a:fillRef idx="1">
+            <a:schemeClr val="accent1"/>
+          </a:fillRef>
+          <a:effectRef idx="0">
+            <a:schemeClr val="accent1"/>
+          </a:effectRef>
+          <a:fontRef idx="minor">
+            <a:schemeClr val="lt1"/>
+          </a:fontRef>
+        </p:style>
+        <p:txBody>
+          <a:bodyPr rtlCol="0" anchor="ctr"/>
+          <a:lstStyle/>
+          <a:p>
+            <a:pPr algn="ctr"/>
+            <a:endParaRPr lang="zh-TW" altLang="en-US"/>
+          </a:p>
+        </p:txBody>
+      </p:sp>
+      <p:graphicFrame>
+        <p:nvGraphicFramePr>
+          <p:cNvPr id="11" name="表格 10">
+            <a:extLst>
+              <a:ext uri="{FF2B5EF4-FFF2-40B4-BE49-F238E27FC236}">
+                <a16:creationId xmlns:a16="http://schemas.microsoft.com/office/drawing/2014/main" id="{C7A62CD1-6FAA-40DB-9302-35E47A532983}"/>
+              </a:ext>
+            </a:extLst>
+          </p:cNvPr>
+          <p:cNvGraphicFramePr>
+            <a:graphicFrameLocks noGrp="1"/>
+          </p:cNvGraphicFramePr>
+          <p:nvPr>
+            <p:extLst>
+              <p:ext uri="{D42A27DB-BD31-4B8C-83A1-F6EECF244321}">
+                <p14:modId xmlns:p14="http://schemas.microsoft.com/office/powerpoint/2010/main" val="464603604"/>
+              </p:ext>
+            </p:extLst>
+          </p:nvPr>
+        </p:nvGraphicFramePr>
+        <p:xfrm>
+          <a:off x="8476090" y="3816626"/>
+          <a:ext cx="3085107" cy="1498862"/>
+        </p:xfrm>
+        <a:graphic>
+          <a:graphicData uri="http://schemas.openxmlformats.org/drawingml/2006/table">
+            <a:tbl>
+              <a:tblPr firstRow="1" bandRow="1">
+                <a:tableStyleId>{284E427A-3D55-4303-BF80-6455036E1DE7}</a:tableStyleId>
+              </a:tblPr>
+              <a:tblGrid>
+                <a:gridCol w="1200328">
+                  <a:extLst>
+                    <a:ext uri="{9D8B030D-6E8A-4147-A177-3AD203B41FA5}">
+                      <a16:colId xmlns:a16="http://schemas.microsoft.com/office/drawing/2014/main" val="1799077876"/>
+                    </a:ext>
+                  </a:extLst>
+                </a:gridCol>
+                <a:gridCol w="1884779">
+                  <a:extLst>
+                    <a:ext uri="{9D8B030D-6E8A-4147-A177-3AD203B41FA5}">
+                      <a16:colId xmlns:a16="http://schemas.microsoft.com/office/drawing/2014/main" val="2567328350"/>
+                    </a:ext>
+                  </a:extLst>
+                </a:gridCol>
+              </a:tblGrid>
+              <a:tr h="395006">
+                <a:tc gridSpan="2">
+                  <a:txBody>
+                    <a:bodyPr/>
+                    <a:lstStyle/>
+                    <a:p>
+                      <a:pPr algn="ctr"/>
+                      <a:r>
+                        <a:rPr lang="zh-TW" altLang="en-US" dirty="0">
+                          <a:latin typeface="標楷體" panose="03000509000000000000" pitchFamily="65" charset="-120"/>
+                          <a:ea typeface="標楷體" panose="03000509000000000000" pitchFamily="65" charset="-120"/>
+                        </a:rPr>
+                        <a:t>參數說明</a:t>
+                      </a:r>
+                    </a:p>
+                  </a:txBody>
+                  <a:tcPr/>
+                </a:tc>
+                <a:tc hMerge="1">
+                  <a:txBody>
+                    <a:bodyPr/>
+                    <a:lstStyle/>
+                    <a:p>
+                      <a:endParaRPr lang="zh-TW" altLang="en-US" dirty="0"/>
+                    </a:p>
+                  </a:txBody>
+                  <a:tcPr/>
+                </a:tc>
+                <a:extLst>
+                  <a:ext uri="{0D108BD9-81ED-4DB2-BD59-A6C34878D82A}">
+                    <a16:rowId xmlns:a16="http://schemas.microsoft.com/office/drawing/2014/main" val="454880199"/>
+                  </a:ext>
+                </a:extLst>
+              </a:tr>
+              <a:tr h="551928">
+                <a:tc>
+                  <a:txBody>
+                    <a:bodyPr/>
+                    <a:lstStyle/>
+                    <a:p>
+                      <a:pPr algn="ctr"/>
+                      <a:r>
+                        <a:rPr lang="en-US" altLang="zh-TW" sz="1400" dirty="0">
+                          <a:latin typeface="Times New Roman" panose="02020603050405020304" pitchFamily="18" charset="0"/>
+                          <a:ea typeface="標楷體" panose="03000509000000000000" pitchFamily="65" charset="-120"/>
+                          <a:cs typeface="Times New Roman" panose="02020603050405020304" pitchFamily="18" charset="0"/>
+                        </a:rPr>
+                        <a:t>size</a:t>
+                      </a:r>
+                      <a:endParaRPr lang="zh-TW" altLang="en-US" sz="1400" dirty="0">
+                        <a:latin typeface="Times New Roman" panose="02020603050405020304" pitchFamily="18" charset="0"/>
+                        <a:ea typeface="標楷體" panose="03000509000000000000" pitchFamily="65" charset="-120"/>
+                        <a:cs typeface="Times New Roman" panose="02020603050405020304" pitchFamily="18" charset="0"/>
+                      </a:endParaRPr>
+                    </a:p>
+                  </a:txBody>
+                  <a:tcPr anchor="ctr"/>
+                </a:tc>
+                <a:tc>
+                  <a:txBody>
+                    <a:bodyPr/>
+                    <a:lstStyle/>
+                    <a:p>
+                      <a:pPr algn="ctr"/>
+                      <a:r>
+                        <a:rPr lang="zh-TW" altLang="en-US" sz="1400" b="0" i="0" kern="1200" dirty="0">
+                          <a:solidFill>
+                            <a:schemeClr val="dk1"/>
+                          </a:solidFill>
+                          <a:effectLst/>
+                          <a:latin typeface="標楷體" panose="03000509000000000000" pitchFamily="65" charset="-120"/>
+                          <a:ea typeface="標楷體" panose="03000509000000000000" pitchFamily="65" charset="-120"/>
+                          <a:cs typeface="+mn-cs"/>
+                        </a:rPr>
+                        <a:t>高斯核大小，但​​是都必須為正的奇數</a:t>
+                      </a:r>
+                      <a:endParaRPr lang="zh-TW" altLang="en-US" sz="1100" dirty="0">
+                        <a:latin typeface="標楷體" panose="03000509000000000000" pitchFamily="65" charset="-120"/>
+                        <a:ea typeface="標楷體" panose="03000509000000000000" pitchFamily="65" charset="-120"/>
+                      </a:endParaRPr>
+                    </a:p>
+                  </a:txBody>
+                  <a:tcPr anchor="ctr"/>
+                </a:tc>
+                <a:extLst>
+                  <a:ext uri="{0D108BD9-81ED-4DB2-BD59-A6C34878D82A}">
+                    <a16:rowId xmlns:a16="http://schemas.microsoft.com/office/drawing/2014/main" val="3873748582"/>
+                  </a:ext>
+                </a:extLst>
+              </a:tr>
+              <a:tr h="551928">
+                <a:tc>
+                  <a:txBody>
+                    <a:bodyPr/>
+                    <a:lstStyle/>
+                    <a:p>
+                      <a:pPr algn="ctr"/>
+                      <a:r>
+                        <a:rPr lang="en-US" altLang="zh-TW" sz="1400" dirty="0">
+                          <a:latin typeface="Times New Roman" panose="02020603050405020304" pitchFamily="18" charset="0"/>
+                          <a:ea typeface="標楷體" panose="03000509000000000000" pitchFamily="65" charset="-120"/>
+                          <a:cs typeface="Times New Roman" panose="02020603050405020304" pitchFamily="18" charset="0"/>
+                        </a:rPr>
+                        <a:t>SD</a:t>
+                      </a:r>
+                      <a:endParaRPr lang="zh-TW" altLang="en-US" sz="1400" dirty="0">
+                        <a:latin typeface="Times New Roman" panose="02020603050405020304" pitchFamily="18" charset="0"/>
+                        <a:ea typeface="標楷體" panose="03000509000000000000" pitchFamily="65" charset="-120"/>
+                        <a:cs typeface="Times New Roman" panose="02020603050405020304" pitchFamily="18" charset="0"/>
+                      </a:endParaRPr>
+                    </a:p>
+                  </a:txBody>
+                  <a:tcPr anchor="ctr"/>
+                </a:tc>
+                <a:tc>
+                  <a:txBody>
+                    <a:bodyPr/>
+                    <a:lstStyle/>
+                    <a:p>
+                      <a:pPr algn="ctr"/>
+                      <a:r>
+                        <a:rPr lang="zh-TW" altLang="en-US" sz="1400" dirty="0">
+                          <a:latin typeface="標楷體" panose="03000509000000000000" pitchFamily="65" charset="-120"/>
+                          <a:ea typeface="標楷體" panose="03000509000000000000" pitchFamily="65" charset="-120"/>
+                        </a:rPr>
+                        <a:t>顏色的標準差</a:t>
+                      </a:r>
+                    </a:p>
+                  </a:txBody>
+                  <a:tcPr anchor="ctr"/>
+                </a:tc>
+                <a:extLst>
+                  <a:ext uri="{0D108BD9-81ED-4DB2-BD59-A6C34878D82A}">
+                    <a16:rowId xmlns:a16="http://schemas.microsoft.com/office/drawing/2014/main" val="1924631745"/>
+                  </a:ext>
+                </a:extLst>
+              </a:tr>
+            </a:tbl>
+          </a:graphicData>
+        </a:graphic>
+      </p:graphicFrame>
+      <p:cxnSp>
+        <p:nvCxnSpPr>
+          <p:cNvPr id="17" name="接點: 肘形 16">
+            <a:extLst>
+              <a:ext uri="{FF2B5EF4-FFF2-40B4-BE49-F238E27FC236}">
+                <a16:creationId xmlns:a16="http://schemas.microsoft.com/office/drawing/2014/main" id="{B863B596-8BFD-4D1D-A28B-AD7CB741F99B}"/>
+              </a:ext>
+            </a:extLst>
+          </p:cNvPr>
+          <p:cNvCxnSpPr>
+            <a:cxnSpLocks/>
+            <a:endCxn id="11" idx="0"/>
+          </p:cNvCxnSpPr>
+          <p:nvPr/>
+        </p:nvCxnSpPr>
+        <p:spPr>
+          <a:xfrm rot="16200000" flipH="1">
+            <a:off x="9398440" y="3196423"/>
+            <a:ext cx="755376" cy="485030"/>
+          </a:xfrm>
+          <a:prstGeom prst="bentConnector3">
+            <a:avLst/>
+          </a:prstGeom>
+          <a:ln>
+            <a:solidFill>
+              <a:srgbClr val="FF0000"/>
+            </a:solidFill>
+            <a:tailEnd type="triangle"/>
+          </a:ln>
+        </p:spPr>
+        <p:style>
+          <a:lnRef idx="1">
+            <a:schemeClr val="accent1"/>
+          </a:lnRef>
+          <a:fillRef idx="0">
+            <a:schemeClr val="accent1"/>
+          </a:fillRef>
+          <a:effectRef idx="0">
+            <a:schemeClr val="accent1"/>
+          </a:effectRef>
+          <a:fontRef idx="minor">
+            <a:schemeClr val="tx1"/>
+          </a:fontRef>
+        </p:style>
+      </p:cxnSp>
+      <p:sp>
+        <p:nvSpPr>
+          <p:cNvPr id="18" name="文字方塊 17">
+            <a:extLst>
+              <a:ext uri="{FF2B5EF4-FFF2-40B4-BE49-F238E27FC236}">
+                <a16:creationId xmlns:a16="http://schemas.microsoft.com/office/drawing/2014/main" id="{85466072-32A1-4B5A-AC72-CD351FB1EA22}"/>
+              </a:ext>
+            </a:extLst>
+          </p:cNvPr>
+          <p:cNvSpPr txBox="1"/>
+          <p:nvPr/>
+        </p:nvSpPr>
+        <p:spPr>
+          <a:xfrm>
+            <a:off x="1006237" y="5733799"/>
+            <a:ext cx="5211683" cy="307777"/>
+          </a:xfrm>
+          <a:prstGeom prst="rect">
+            <a:avLst/>
+          </a:prstGeom>
+          <a:noFill/>
+        </p:spPr>
+        <p:txBody>
+          <a:bodyPr wrap="none" rtlCol="0">
+            <a:spAutoFit/>
+          </a:bodyPr>
+          <a:lstStyle/>
+          <a:p>
+            <a:r>
+              <a:rPr lang="zh-TW" altLang="en-US" sz="1400" dirty="0">
+                <a:latin typeface="標楷體" panose="03000509000000000000" pitchFamily="65" charset="-120"/>
+                <a:ea typeface="標楷體" panose="03000509000000000000" pitchFamily="65" charset="-120"/>
+              </a:rPr>
+              <a:t>一般而言圖片都會有些雜訊，因此使用高斯濾波的方式來消除</a:t>
+            </a:r>
+          </a:p>
+        </p:txBody>
+      </p:sp>
     </p:spTree>
     <p:extLst>
       <p:ext uri="{BB962C8B-B14F-4D97-AF65-F5344CB8AC3E}">
@@ -15143,7 +17039,7 @@
         </p:blipFill>
         <p:spPr>
           <a:xfrm>
-            <a:off x="6331996" y="2476168"/>
+            <a:off x="6331996" y="2492070"/>
             <a:ext cx="5120640" cy="1450757"/>
           </a:xfrm>
           <a:prstGeom prst="rect">
@@ -15181,6 +17077,471 @@
           </a:prstGeom>
         </p:spPr>
       </p:pic>
+      <p:sp>
+        <p:nvSpPr>
+          <p:cNvPr id="4" name="矩形 3">
+            <a:extLst>
+              <a:ext uri="{FF2B5EF4-FFF2-40B4-BE49-F238E27FC236}">
+                <a16:creationId xmlns:a16="http://schemas.microsoft.com/office/drawing/2014/main" id="{0399E598-BC26-463D-8B76-BD40180AC102}"/>
+              </a:ext>
+            </a:extLst>
+          </p:cNvPr>
+          <p:cNvSpPr/>
+          <p:nvPr/>
+        </p:nvSpPr>
+        <p:spPr>
+          <a:xfrm>
+            <a:off x="8053702" y="2891119"/>
+            <a:ext cx="3041018" cy="190832"/>
+          </a:xfrm>
+          <a:prstGeom prst="rect">
+            <a:avLst/>
+          </a:prstGeom>
+          <a:noFill/>
+          <a:ln>
+            <a:solidFill>
+              <a:srgbClr val="FF0000"/>
+            </a:solidFill>
+          </a:ln>
+        </p:spPr>
+        <p:style>
+          <a:lnRef idx="2">
+            <a:schemeClr val="accent1">
+              <a:shade val="50000"/>
+            </a:schemeClr>
+          </a:lnRef>
+          <a:fillRef idx="1">
+            <a:schemeClr val="accent1"/>
+          </a:fillRef>
+          <a:effectRef idx="0">
+            <a:schemeClr val="accent1"/>
+          </a:effectRef>
+          <a:fontRef idx="minor">
+            <a:schemeClr val="lt1"/>
+          </a:fontRef>
+        </p:style>
+        <p:txBody>
+          <a:bodyPr rtlCol="0" anchor="ctr"/>
+          <a:lstStyle/>
+          <a:p>
+            <a:pPr algn="ctr"/>
+            <a:endParaRPr lang="zh-TW" altLang="en-US"/>
+          </a:p>
+        </p:txBody>
+      </p:sp>
+      <p:graphicFrame>
+        <p:nvGraphicFramePr>
+          <p:cNvPr id="16" name="表格 15">
+            <a:extLst>
+              <a:ext uri="{FF2B5EF4-FFF2-40B4-BE49-F238E27FC236}">
+                <a16:creationId xmlns:a16="http://schemas.microsoft.com/office/drawing/2014/main" id="{DE161471-56B2-4564-92B2-1ACDD53FD190}"/>
+              </a:ext>
+            </a:extLst>
+          </p:cNvPr>
+          <p:cNvGraphicFramePr>
+            <a:graphicFrameLocks noGrp="1"/>
+          </p:cNvGraphicFramePr>
+          <p:nvPr>
+            <p:extLst>
+              <p:ext uri="{D42A27DB-BD31-4B8C-83A1-F6EECF244321}">
+                <p14:modId xmlns:p14="http://schemas.microsoft.com/office/powerpoint/2010/main" val="1754688349"/>
+              </p:ext>
+            </p:extLst>
+          </p:nvPr>
+        </p:nvGraphicFramePr>
+        <p:xfrm>
+          <a:off x="8974586" y="3944045"/>
+          <a:ext cx="2928517" cy="2050790"/>
+        </p:xfrm>
+        <a:graphic>
+          <a:graphicData uri="http://schemas.openxmlformats.org/drawingml/2006/table">
+            <a:tbl>
+              <a:tblPr firstRow="1" bandRow="1">
+                <a:tableStyleId>{284E427A-3D55-4303-BF80-6455036E1DE7}</a:tableStyleId>
+              </a:tblPr>
+              <a:tblGrid>
+                <a:gridCol w="1139403">
+                  <a:extLst>
+                    <a:ext uri="{9D8B030D-6E8A-4147-A177-3AD203B41FA5}">
+                      <a16:colId xmlns:a16="http://schemas.microsoft.com/office/drawing/2014/main" val="1799077876"/>
+                    </a:ext>
+                  </a:extLst>
+                </a:gridCol>
+                <a:gridCol w="1789114">
+                  <a:extLst>
+                    <a:ext uri="{9D8B030D-6E8A-4147-A177-3AD203B41FA5}">
+                      <a16:colId xmlns:a16="http://schemas.microsoft.com/office/drawing/2014/main" val="2567328350"/>
+                    </a:ext>
+                  </a:extLst>
+                </a:gridCol>
+              </a:tblGrid>
+              <a:tr h="395006">
+                <a:tc gridSpan="2">
+                  <a:txBody>
+                    <a:bodyPr/>
+                    <a:lstStyle/>
+                    <a:p>
+                      <a:pPr algn="ctr"/>
+                      <a:r>
+                        <a:rPr lang="zh-TW" altLang="en-US" dirty="0">
+                          <a:latin typeface="標楷體" panose="03000509000000000000" pitchFamily="65" charset="-120"/>
+                          <a:ea typeface="標楷體" panose="03000509000000000000" pitchFamily="65" charset="-120"/>
+                        </a:rPr>
+                        <a:t>參數說明</a:t>
+                      </a:r>
+                    </a:p>
+                  </a:txBody>
+                  <a:tcPr/>
+                </a:tc>
+                <a:tc hMerge="1">
+                  <a:txBody>
+                    <a:bodyPr/>
+                    <a:lstStyle/>
+                    <a:p>
+                      <a:endParaRPr lang="zh-TW" altLang="en-US" dirty="0"/>
+                    </a:p>
+                  </a:txBody>
+                  <a:tcPr/>
+                </a:tc>
+                <a:extLst>
+                  <a:ext uri="{0D108BD9-81ED-4DB2-BD59-A6C34878D82A}">
+                    <a16:rowId xmlns:a16="http://schemas.microsoft.com/office/drawing/2014/main" val="454880199"/>
+                  </a:ext>
+                </a:extLst>
+              </a:tr>
+              <a:tr h="551928">
+                <a:tc>
+                  <a:txBody>
+                    <a:bodyPr/>
+                    <a:lstStyle/>
+                    <a:p>
+                      <a:pPr algn="ctr"/>
+                      <a:r>
+                        <a:rPr lang="en-US" altLang="zh-TW" sz="1400" dirty="0" err="1">
+                          <a:latin typeface="Times New Roman" panose="02020603050405020304" pitchFamily="18" charset="0"/>
+                          <a:ea typeface="標楷體" panose="03000509000000000000" pitchFamily="65" charset="-120"/>
+                          <a:cs typeface="Times New Roman" panose="02020603050405020304" pitchFamily="18" charset="0"/>
+                        </a:rPr>
+                        <a:t>ddepth</a:t>
+                      </a:r>
+                      <a:endParaRPr lang="zh-TW" altLang="en-US" sz="1400" dirty="0">
+                        <a:latin typeface="Times New Roman" panose="02020603050405020304" pitchFamily="18" charset="0"/>
+                        <a:ea typeface="標楷體" panose="03000509000000000000" pitchFamily="65" charset="-120"/>
+                        <a:cs typeface="Times New Roman" panose="02020603050405020304" pitchFamily="18" charset="0"/>
+                      </a:endParaRPr>
+                    </a:p>
+                  </a:txBody>
+                  <a:tcPr anchor="ctr"/>
+                </a:tc>
+                <a:tc>
+                  <a:txBody>
+                    <a:bodyPr/>
+                    <a:lstStyle/>
+                    <a:p>
+                      <a:pPr algn="ctr"/>
+                      <a:r>
+                        <a:rPr lang="zh-TW" altLang="en-US" sz="1400" b="0" i="0" kern="1200" dirty="0">
+                          <a:solidFill>
+                            <a:schemeClr val="dk1"/>
+                          </a:solidFill>
+                          <a:effectLst/>
+                          <a:latin typeface="標楷體" panose="03000509000000000000" pitchFamily="65" charset="-120"/>
+                          <a:ea typeface="標楷體" panose="03000509000000000000" pitchFamily="65" charset="-120"/>
+                          <a:cs typeface="+mn-cs"/>
+                        </a:rPr>
+                        <a:t>輸出圖像的深度</a:t>
+                      </a:r>
+                      <a:endParaRPr lang="zh-TW" altLang="en-US" sz="1000" dirty="0">
+                        <a:latin typeface="標楷體" panose="03000509000000000000" pitchFamily="65" charset="-120"/>
+                        <a:ea typeface="標楷體" panose="03000509000000000000" pitchFamily="65" charset="-120"/>
+                      </a:endParaRPr>
+                    </a:p>
+                  </a:txBody>
+                  <a:tcPr anchor="ctr"/>
+                </a:tc>
+                <a:extLst>
+                  <a:ext uri="{0D108BD9-81ED-4DB2-BD59-A6C34878D82A}">
+                    <a16:rowId xmlns:a16="http://schemas.microsoft.com/office/drawing/2014/main" val="3873748582"/>
+                  </a:ext>
+                </a:extLst>
+              </a:tr>
+              <a:tr h="551928">
+                <a:tc>
+                  <a:txBody>
+                    <a:bodyPr/>
+                    <a:lstStyle/>
+                    <a:p>
+                      <a:pPr algn="ctr"/>
+                      <a:r>
+                        <a:rPr lang="en-US" altLang="zh-TW" sz="1400" dirty="0">
+                          <a:latin typeface="Times New Roman" panose="02020603050405020304" pitchFamily="18" charset="0"/>
+                          <a:ea typeface="標楷體" panose="03000509000000000000" pitchFamily="65" charset="-120"/>
+                          <a:cs typeface="Times New Roman" panose="02020603050405020304" pitchFamily="18" charset="0"/>
+                        </a:rPr>
+                        <a:t>dx, </a:t>
+                      </a:r>
+                      <a:r>
+                        <a:rPr lang="en-US" altLang="zh-TW" sz="1400" dirty="0" err="1">
+                          <a:latin typeface="Times New Roman" panose="02020603050405020304" pitchFamily="18" charset="0"/>
+                          <a:ea typeface="標楷體" panose="03000509000000000000" pitchFamily="65" charset="-120"/>
+                          <a:cs typeface="Times New Roman" panose="02020603050405020304" pitchFamily="18" charset="0"/>
+                        </a:rPr>
+                        <a:t>dy</a:t>
+                      </a:r>
+                      <a:r>
+                        <a:rPr lang="en-US" altLang="zh-TW" sz="1400" dirty="0">
+                          <a:latin typeface="Times New Roman" panose="02020603050405020304" pitchFamily="18" charset="0"/>
+                          <a:ea typeface="標楷體" panose="03000509000000000000" pitchFamily="65" charset="-120"/>
+                          <a:cs typeface="Times New Roman" panose="02020603050405020304" pitchFamily="18" charset="0"/>
+                        </a:rPr>
+                        <a:t> </a:t>
+                      </a:r>
+                      <a:endParaRPr lang="zh-TW" altLang="en-US" sz="1400" dirty="0">
+                        <a:latin typeface="Times New Roman" panose="02020603050405020304" pitchFamily="18" charset="0"/>
+                        <a:ea typeface="標楷體" panose="03000509000000000000" pitchFamily="65" charset="-120"/>
+                        <a:cs typeface="Times New Roman" panose="02020603050405020304" pitchFamily="18" charset="0"/>
+                      </a:endParaRPr>
+                    </a:p>
+                  </a:txBody>
+                  <a:tcPr anchor="ctr"/>
+                </a:tc>
+                <a:tc>
+                  <a:txBody>
+                    <a:bodyPr/>
+                    <a:lstStyle/>
+                    <a:p>
+                      <a:pPr algn="ctr"/>
+                      <a:r>
+                        <a:rPr lang="zh-TW" altLang="en-US" sz="1400" dirty="0">
+                          <a:latin typeface="標楷體" panose="03000509000000000000" pitchFamily="65" charset="-120"/>
+                          <a:ea typeface="標楷體" panose="03000509000000000000" pitchFamily="65" charset="-120"/>
+                        </a:rPr>
+                        <a:t>對</a:t>
+                      </a:r>
+                      <a:r>
+                        <a:rPr lang="en-US" altLang="zh-TW" sz="1400" dirty="0">
+                          <a:latin typeface="標楷體" panose="03000509000000000000" pitchFamily="65" charset="-120"/>
+                          <a:ea typeface="標楷體" panose="03000509000000000000" pitchFamily="65" charset="-120"/>
+                        </a:rPr>
+                        <a:t>x</a:t>
+                      </a:r>
+                      <a:r>
+                        <a:rPr lang="zh-TW" altLang="en-US" sz="1400" dirty="0">
+                          <a:latin typeface="標楷體" panose="03000509000000000000" pitchFamily="65" charset="-120"/>
+                          <a:ea typeface="標楷體" panose="03000509000000000000" pitchFamily="65" charset="-120"/>
+                        </a:rPr>
+                        <a:t>、</a:t>
+                      </a:r>
+                      <a:r>
+                        <a:rPr lang="en-US" altLang="zh-TW" sz="1400" dirty="0">
+                          <a:latin typeface="標楷體" panose="03000509000000000000" pitchFamily="65" charset="-120"/>
+                          <a:ea typeface="標楷體" panose="03000509000000000000" pitchFamily="65" charset="-120"/>
+                        </a:rPr>
+                        <a:t>y</a:t>
+                      </a:r>
+                      <a:r>
+                        <a:rPr lang="zh-TW" altLang="en-US" sz="1400" dirty="0">
+                          <a:latin typeface="標楷體" panose="03000509000000000000" pitchFamily="65" charset="-120"/>
+                          <a:ea typeface="標楷體" panose="03000509000000000000" pitchFamily="65" charset="-120"/>
+                        </a:rPr>
+                        <a:t>微分</a:t>
+                      </a:r>
+                    </a:p>
+                  </a:txBody>
+                  <a:tcPr anchor="ctr"/>
+                </a:tc>
+                <a:extLst>
+                  <a:ext uri="{0D108BD9-81ED-4DB2-BD59-A6C34878D82A}">
+                    <a16:rowId xmlns:a16="http://schemas.microsoft.com/office/drawing/2014/main" val="1924631745"/>
+                  </a:ext>
+                </a:extLst>
+              </a:tr>
+              <a:tr h="551928">
+                <a:tc>
+                  <a:txBody>
+                    <a:bodyPr/>
+                    <a:lstStyle/>
+                    <a:p>
+                      <a:pPr algn="ctr"/>
+                      <a:r>
+                        <a:rPr lang="en-US" altLang="zh-TW" sz="1400" dirty="0" err="1">
+                          <a:latin typeface="Times New Roman" panose="02020603050405020304" pitchFamily="18" charset="0"/>
+                          <a:ea typeface="標楷體" panose="03000509000000000000" pitchFamily="65" charset="-120"/>
+                          <a:cs typeface="Times New Roman" panose="02020603050405020304" pitchFamily="18" charset="0"/>
+                        </a:rPr>
+                        <a:t>ksize</a:t>
+                      </a:r>
+                      <a:endParaRPr lang="zh-TW" altLang="en-US" sz="1400" dirty="0">
+                        <a:latin typeface="Times New Roman" panose="02020603050405020304" pitchFamily="18" charset="0"/>
+                        <a:ea typeface="標楷體" panose="03000509000000000000" pitchFamily="65" charset="-120"/>
+                        <a:cs typeface="Times New Roman" panose="02020603050405020304" pitchFamily="18" charset="0"/>
+                      </a:endParaRPr>
+                    </a:p>
+                  </a:txBody>
+                  <a:tcPr anchor="ctr"/>
+                </a:tc>
+                <a:tc>
+                  <a:txBody>
+                    <a:bodyPr/>
+                    <a:lstStyle/>
+                    <a:p>
+                      <a:pPr algn="ctr"/>
+                      <a:r>
+                        <a:rPr lang="en-US" altLang="zh-TW" sz="1400" b="0" i="0" kern="1200" baseline="0" dirty="0">
+                          <a:solidFill>
+                            <a:schemeClr val="dk1"/>
+                          </a:solidFill>
+                          <a:effectLst/>
+                          <a:latin typeface="Times New Roman" panose="02020603050405020304" pitchFamily="18" charset="0"/>
+                          <a:ea typeface="標楷體" panose="03000509000000000000" pitchFamily="65" charset="-120"/>
+                          <a:cs typeface="+mn-cs"/>
+                        </a:rPr>
+                        <a:t>Sobel</a:t>
+                      </a:r>
+                      <a:r>
+                        <a:rPr lang="zh-TW" altLang="en-US" sz="1400" b="0" i="0" kern="1200" baseline="0" dirty="0">
+                          <a:solidFill>
+                            <a:schemeClr val="dk1"/>
+                          </a:solidFill>
+                          <a:effectLst/>
+                          <a:latin typeface="Times New Roman" panose="02020603050405020304" pitchFamily="18" charset="0"/>
+                          <a:ea typeface="標楷體" panose="03000509000000000000" pitchFamily="65" charset="-120"/>
+                          <a:cs typeface="+mn-cs"/>
+                        </a:rPr>
+                        <a:t>算子的大小，</a:t>
+                      </a:r>
+                      <a:r>
+                        <a:rPr lang="zh-TW" altLang="en-US" sz="1400" b="0" i="0" kern="1200" dirty="0">
+                          <a:solidFill>
+                            <a:schemeClr val="dk1"/>
+                          </a:solidFill>
+                          <a:effectLst/>
+                          <a:latin typeface="標楷體" panose="03000509000000000000" pitchFamily="65" charset="-120"/>
+                          <a:ea typeface="標楷體" panose="03000509000000000000" pitchFamily="65" charset="-120"/>
+                          <a:cs typeface="+mn-cs"/>
+                        </a:rPr>
+                        <a:t>卷積核的值</a:t>
+                      </a:r>
+                      <a:endParaRPr lang="en-US" altLang="zh-TW" sz="1400" b="0" i="0" kern="1200" baseline="0" dirty="0">
+                        <a:solidFill>
+                          <a:schemeClr val="dk1"/>
+                        </a:solidFill>
+                        <a:effectLst/>
+                        <a:latin typeface="標楷體" panose="03000509000000000000" pitchFamily="65" charset="-120"/>
+                        <a:ea typeface="標楷體" panose="03000509000000000000" pitchFamily="65" charset="-120"/>
+                        <a:cs typeface="+mn-cs"/>
+                      </a:endParaRPr>
+                    </a:p>
+                  </a:txBody>
+                  <a:tcPr anchor="ctr"/>
+                </a:tc>
+                <a:extLst>
+                  <a:ext uri="{0D108BD9-81ED-4DB2-BD59-A6C34878D82A}">
+                    <a16:rowId xmlns:a16="http://schemas.microsoft.com/office/drawing/2014/main" val="3919450400"/>
+                  </a:ext>
+                </a:extLst>
+              </a:tr>
+            </a:tbl>
+          </a:graphicData>
+        </a:graphic>
+      </p:graphicFrame>
+      <p:cxnSp>
+        <p:nvCxnSpPr>
+          <p:cNvPr id="18" name="接點: 肘形 17">
+            <a:extLst>
+              <a:ext uri="{FF2B5EF4-FFF2-40B4-BE49-F238E27FC236}">
+                <a16:creationId xmlns:a16="http://schemas.microsoft.com/office/drawing/2014/main" id="{59BA8BAC-750E-4487-BC23-F96D7418B50B}"/>
+              </a:ext>
+            </a:extLst>
+          </p:cNvPr>
+          <p:cNvCxnSpPr>
+            <a:cxnSpLocks/>
+            <a:endCxn id="16" idx="0"/>
+          </p:cNvCxnSpPr>
+          <p:nvPr/>
+        </p:nvCxnSpPr>
+        <p:spPr>
+          <a:xfrm rot="16200000" flipH="1">
+            <a:off x="9905039" y="3410240"/>
+            <a:ext cx="862094" cy="205516"/>
+          </a:xfrm>
+          <a:prstGeom prst="bentConnector3">
+            <a:avLst/>
+          </a:prstGeom>
+          <a:ln>
+            <a:solidFill>
+              <a:srgbClr val="FF0000"/>
+            </a:solidFill>
+            <a:tailEnd type="triangle"/>
+          </a:ln>
+        </p:spPr>
+        <p:style>
+          <a:lnRef idx="1">
+            <a:schemeClr val="accent1"/>
+          </a:lnRef>
+          <a:fillRef idx="0">
+            <a:schemeClr val="accent1"/>
+          </a:fillRef>
+          <a:effectRef idx="0">
+            <a:schemeClr val="accent1"/>
+          </a:effectRef>
+          <a:fontRef idx="minor">
+            <a:schemeClr val="tx1"/>
+          </a:fontRef>
+        </p:style>
+      </p:cxnSp>
+      <p:sp>
+        <p:nvSpPr>
+          <p:cNvPr id="22" name="文字方塊 21">
+            <a:extLst>
+              <a:ext uri="{FF2B5EF4-FFF2-40B4-BE49-F238E27FC236}">
+                <a16:creationId xmlns:a16="http://schemas.microsoft.com/office/drawing/2014/main" id="{78C26A91-DC3B-453B-A88C-DA39621AD08A}"/>
+              </a:ext>
+            </a:extLst>
+          </p:cNvPr>
+          <p:cNvSpPr txBox="1"/>
+          <p:nvPr/>
+        </p:nvSpPr>
+        <p:spPr>
+          <a:xfrm>
+            <a:off x="996020" y="5686094"/>
+            <a:ext cx="3326552" cy="307777"/>
+          </a:xfrm>
+          <a:prstGeom prst="rect">
+            <a:avLst/>
+          </a:prstGeom>
+          <a:noFill/>
+        </p:spPr>
+        <p:txBody>
+          <a:bodyPr wrap="none" rtlCol="0">
+            <a:spAutoFit/>
+          </a:bodyPr>
+          <a:lstStyle/>
+          <a:p>
+            <a:r>
+              <a:rPr lang="zh-TW" altLang="en-US" sz="1400" dirty="0">
+                <a:latin typeface="Times New Roman" panose="02020603050405020304" pitchFamily="18" charset="0"/>
+                <a:ea typeface="標楷體" panose="03000509000000000000" pitchFamily="65" charset="-120"/>
+              </a:rPr>
+              <a:t>用</a:t>
+            </a:r>
+            <a:r>
+              <a:rPr lang="en-US" altLang="zh-TW" sz="1400" dirty="0">
+                <a:latin typeface="Times New Roman" panose="02020603050405020304" pitchFamily="18" charset="0"/>
+                <a:ea typeface="標楷體" panose="03000509000000000000" pitchFamily="65" charset="-120"/>
+              </a:rPr>
+              <a:t>Sobel</a:t>
+            </a:r>
+            <a:r>
+              <a:rPr lang="zh-TW" altLang="en-US" sz="1400" dirty="0">
+                <a:latin typeface="Times New Roman" panose="02020603050405020304" pitchFamily="18" charset="0"/>
+                <a:ea typeface="標楷體" panose="03000509000000000000" pitchFamily="65" charset="-120"/>
+              </a:rPr>
+              <a:t>產生梯度圖，讓邊緣可以更清晰</a:t>
+            </a:r>
+          </a:p>
+        </p:txBody>
+      </p:sp>
     </p:spTree>
     <p:extLst>
       <p:ext uri="{BB962C8B-B14F-4D97-AF65-F5344CB8AC3E}">
@@ -15470,6 +17831,461 @@
           </a:prstGeom>
         </p:spPr>
       </p:pic>
+      <p:sp>
+        <p:nvSpPr>
+          <p:cNvPr id="4" name="矩形 3">
+            <a:extLst>
+              <a:ext uri="{FF2B5EF4-FFF2-40B4-BE49-F238E27FC236}">
+                <a16:creationId xmlns:a16="http://schemas.microsoft.com/office/drawing/2014/main" id="{EDD8BBAA-58CB-406B-B84B-2FA2E4A667E2}"/>
+              </a:ext>
+            </a:extLst>
+          </p:cNvPr>
+          <p:cNvSpPr/>
+          <p:nvPr/>
+        </p:nvSpPr>
+        <p:spPr>
+          <a:xfrm>
+            <a:off x="7227736" y="2671638"/>
+            <a:ext cx="3053301" cy="222637"/>
+          </a:xfrm>
+          <a:prstGeom prst="rect">
+            <a:avLst/>
+          </a:prstGeom>
+          <a:noFill/>
+          <a:ln>
+            <a:solidFill>
+              <a:srgbClr val="FF0000"/>
+            </a:solidFill>
+          </a:ln>
+        </p:spPr>
+        <p:style>
+          <a:lnRef idx="2">
+            <a:schemeClr val="accent1">
+              <a:shade val="50000"/>
+            </a:schemeClr>
+          </a:lnRef>
+          <a:fillRef idx="1">
+            <a:schemeClr val="accent1"/>
+          </a:fillRef>
+          <a:effectRef idx="0">
+            <a:schemeClr val="accent1"/>
+          </a:effectRef>
+          <a:fontRef idx="minor">
+            <a:schemeClr val="lt1"/>
+          </a:fontRef>
+        </p:style>
+        <p:txBody>
+          <a:bodyPr rtlCol="0" anchor="ctr"/>
+          <a:lstStyle/>
+          <a:p>
+            <a:pPr algn="ctr"/>
+            <a:endParaRPr lang="zh-TW" altLang="en-US"/>
+          </a:p>
+        </p:txBody>
+      </p:sp>
+      <p:cxnSp>
+        <p:nvCxnSpPr>
+          <p:cNvPr id="7" name="接點: 肘形 6">
+            <a:extLst>
+              <a:ext uri="{FF2B5EF4-FFF2-40B4-BE49-F238E27FC236}">
+                <a16:creationId xmlns:a16="http://schemas.microsoft.com/office/drawing/2014/main" id="{0800AAE0-C707-459E-9EF9-E2406068B04B}"/>
+              </a:ext>
+            </a:extLst>
+          </p:cNvPr>
+          <p:cNvCxnSpPr/>
+          <p:nvPr/>
+        </p:nvCxnSpPr>
+        <p:spPr>
+          <a:xfrm rot="16200000" flipH="1">
+            <a:off x="9307002" y="3065228"/>
+            <a:ext cx="818984" cy="477078"/>
+          </a:xfrm>
+          <a:prstGeom prst="bentConnector3">
+            <a:avLst/>
+          </a:prstGeom>
+          <a:ln>
+            <a:solidFill>
+              <a:srgbClr val="FF0000"/>
+            </a:solidFill>
+            <a:tailEnd type="triangle"/>
+          </a:ln>
+        </p:spPr>
+        <p:style>
+          <a:lnRef idx="1">
+            <a:schemeClr val="accent1"/>
+          </a:lnRef>
+          <a:fillRef idx="0">
+            <a:schemeClr val="accent1"/>
+          </a:fillRef>
+          <a:effectRef idx="0">
+            <a:schemeClr val="accent1"/>
+          </a:effectRef>
+          <a:fontRef idx="minor">
+            <a:schemeClr val="tx1"/>
+          </a:fontRef>
+        </p:style>
+      </p:cxnSp>
+      <p:graphicFrame>
+        <p:nvGraphicFramePr>
+          <p:cNvPr id="9" name="表格 8">
+            <a:extLst>
+              <a:ext uri="{FF2B5EF4-FFF2-40B4-BE49-F238E27FC236}">
+                <a16:creationId xmlns:a16="http://schemas.microsoft.com/office/drawing/2014/main" id="{7E6921DA-E519-4743-AFC9-41236E5C712F}"/>
+              </a:ext>
+            </a:extLst>
+          </p:cNvPr>
+          <p:cNvGraphicFramePr>
+            <a:graphicFrameLocks noGrp="1"/>
+          </p:cNvGraphicFramePr>
+          <p:nvPr>
+            <p:extLst>
+              <p:ext uri="{D42A27DB-BD31-4B8C-83A1-F6EECF244321}">
+                <p14:modId xmlns:p14="http://schemas.microsoft.com/office/powerpoint/2010/main" val="4056605152"/>
+              </p:ext>
+            </p:extLst>
+          </p:nvPr>
+        </p:nvGraphicFramePr>
+        <p:xfrm>
+          <a:off x="8816778" y="3713259"/>
+          <a:ext cx="2928517" cy="2443742"/>
+        </p:xfrm>
+        <a:graphic>
+          <a:graphicData uri="http://schemas.openxmlformats.org/drawingml/2006/table">
+            <a:tbl>
+              <a:tblPr firstRow="1" bandRow="1">
+                <a:tableStyleId>{284E427A-3D55-4303-BF80-6455036E1DE7}</a:tableStyleId>
+              </a:tblPr>
+              <a:tblGrid>
+                <a:gridCol w="1139403">
+                  <a:extLst>
+                    <a:ext uri="{9D8B030D-6E8A-4147-A177-3AD203B41FA5}">
+                      <a16:colId xmlns:a16="http://schemas.microsoft.com/office/drawing/2014/main" val="1799077876"/>
+                    </a:ext>
+                  </a:extLst>
+                </a:gridCol>
+                <a:gridCol w="1789114">
+                  <a:extLst>
+                    <a:ext uri="{9D8B030D-6E8A-4147-A177-3AD203B41FA5}">
+                      <a16:colId xmlns:a16="http://schemas.microsoft.com/office/drawing/2014/main" val="2567328350"/>
+                    </a:ext>
+                  </a:extLst>
+                </a:gridCol>
+              </a:tblGrid>
+              <a:tr h="395006">
+                <a:tc gridSpan="2">
+                  <a:txBody>
+                    <a:bodyPr/>
+                    <a:lstStyle/>
+                    <a:p>
+                      <a:pPr algn="ctr"/>
+                      <a:r>
+                        <a:rPr lang="zh-TW" altLang="en-US" dirty="0">
+                          <a:latin typeface="標楷體" panose="03000509000000000000" pitchFamily="65" charset="-120"/>
+                          <a:ea typeface="標楷體" panose="03000509000000000000" pitchFamily="65" charset="-120"/>
+                        </a:rPr>
+                        <a:t>參數說明</a:t>
+                      </a:r>
+                    </a:p>
+                  </a:txBody>
+                  <a:tcPr/>
+                </a:tc>
+                <a:tc hMerge="1">
+                  <a:txBody>
+                    <a:bodyPr/>
+                    <a:lstStyle/>
+                    <a:p>
+                      <a:endParaRPr lang="zh-TW" altLang="en-US" dirty="0"/>
+                    </a:p>
+                  </a:txBody>
+                  <a:tcPr/>
+                </a:tc>
+                <a:extLst>
+                  <a:ext uri="{0D108BD9-81ED-4DB2-BD59-A6C34878D82A}">
+                    <a16:rowId xmlns:a16="http://schemas.microsoft.com/office/drawing/2014/main" val="454880199"/>
+                  </a:ext>
+                </a:extLst>
+              </a:tr>
+              <a:tr h="551928">
+                <a:tc>
+                  <a:txBody>
+                    <a:bodyPr/>
+                    <a:lstStyle/>
+                    <a:p>
+                      <a:pPr algn="ctr"/>
+                      <a:r>
+                        <a:rPr lang="en-US" altLang="zh-TW" sz="1400" dirty="0" err="1">
+                          <a:latin typeface="Times New Roman" panose="02020603050405020304" pitchFamily="18" charset="0"/>
+                          <a:ea typeface="標楷體" panose="03000509000000000000" pitchFamily="65" charset="-120"/>
+                          <a:cs typeface="Times New Roman" panose="02020603050405020304" pitchFamily="18" charset="0"/>
+                        </a:rPr>
+                        <a:t>thres_min</a:t>
+                      </a:r>
+                      <a:endParaRPr lang="zh-TW" altLang="en-US" sz="1400" dirty="0">
+                        <a:latin typeface="Times New Roman" panose="02020603050405020304" pitchFamily="18" charset="0"/>
+                        <a:ea typeface="標楷體" panose="03000509000000000000" pitchFamily="65" charset="-120"/>
+                        <a:cs typeface="Times New Roman" panose="02020603050405020304" pitchFamily="18" charset="0"/>
+                      </a:endParaRPr>
+                    </a:p>
+                  </a:txBody>
+                  <a:tcPr anchor="ctr"/>
+                </a:tc>
+                <a:tc>
+                  <a:txBody>
+                    <a:bodyPr/>
+                    <a:lstStyle/>
+                    <a:p>
+                      <a:pPr algn="ctr"/>
+                      <a:r>
+                        <a:rPr lang="zh-TW" altLang="en-US" sz="1400" dirty="0">
+                          <a:latin typeface="標楷體" panose="03000509000000000000" pitchFamily="65" charset="-120"/>
+                          <a:ea typeface="標楷體" panose="03000509000000000000" pitchFamily="65" charset="-120"/>
+                        </a:rPr>
+                        <a:t>臨界最小值</a:t>
+                      </a:r>
+                    </a:p>
+                  </a:txBody>
+                  <a:tcPr anchor="ctr"/>
+                </a:tc>
+                <a:extLst>
+                  <a:ext uri="{0D108BD9-81ED-4DB2-BD59-A6C34878D82A}">
+                    <a16:rowId xmlns:a16="http://schemas.microsoft.com/office/drawing/2014/main" val="3873748582"/>
+                  </a:ext>
+                </a:extLst>
+              </a:tr>
+              <a:tr h="551928">
+                <a:tc>
+                  <a:txBody>
+                    <a:bodyPr/>
+                    <a:lstStyle/>
+                    <a:p>
+                      <a:pPr algn="ctr"/>
+                      <a:r>
+                        <a:rPr lang="en-US" altLang="zh-TW" sz="1400" dirty="0" err="1">
+                          <a:latin typeface="Times New Roman" panose="02020603050405020304" pitchFamily="18" charset="0"/>
+                          <a:ea typeface="標楷體" panose="03000509000000000000" pitchFamily="65" charset="-120"/>
+                          <a:cs typeface="Times New Roman" panose="02020603050405020304" pitchFamily="18" charset="0"/>
+                        </a:rPr>
+                        <a:t>thres_max</a:t>
+                      </a:r>
+                      <a:r>
+                        <a:rPr lang="en-US" altLang="zh-TW" sz="1400" dirty="0">
+                          <a:latin typeface="Times New Roman" panose="02020603050405020304" pitchFamily="18" charset="0"/>
+                          <a:ea typeface="標楷體" panose="03000509000000000000" pitchFamily="65" charset="-120"/>
+                          <a:cs typeface="Times New Roman" panose="02020603050405020304" pitchFamily="18" charset="0"/>
+                        </a:rPr>
+                        <a:t> </a:t>
+                      </a:r>
+                      <a:endParaRPr lang="zh-TW" altLang="en-US" sz="1400" dirty="0">
+                        <a:latin typeface="Times New Roman" panose="02020603050405020304" pitchFamily="18" charset="0"/>
+                        <a:ea typeface="標楷體" panose="03000509000000000000" pitchFamily="65" charset="-120"/>
+                        <a:cs typeface="Times New Roman" panose="02020603050405020304" pitchFamily="18" charset="0"/>
+                      </a:endParaRPr>
+                    </a:p>
+                  </a:txBody>
+                  <a:tcPr anchor="ctr"/>
+                </a:tc>
+                <a:tc>
+                  <a:txBody>
+                    <a:bodyPr/>
+                    <a:lstStyle/>
+                    <a:p>
+                      <a:pPr algn="ctr"/>
+                      <a:r>
+                        <a:rPr lang="zh-TW" altLang="en-US" sz="1400" dirty="0">
+                          <a:latin typeface="標楷體" panose="03000509000000000000" pitchFamily="65" charset="-120"/>
+                          <a:ea typeface="標楷體" panose="03000509000000000000" pitchFamily="65" charset="-120"/>
+                        </a:rPr>
+                        <a:t>超過臨界值時，將此像素設為參數的值</a:t>
+                      </a:r>
+                    </a:p>
+                  </a:txBody>
+                  <a:tcPr anchor="ctr"/>
+                </a:tc>
+                <a:extLst>
+                  <a:ext uri="{0D108BD9-81ED-4DB2-BD59-A6C34878D82A}">
+                    <a16:rowId xmlns:a16="http://schemas.microsoft.com/office/drawing/2014/main" val="1924631745"/>
+                  </a:ext>
+                </a:extLst>
+              </a:tr>
+              <a:tr h="551928">
+                <a:tc>
+                  <a:txBody>
+                    <a:bodyPr/>
+                    <a:lstStyle/>
+                    <a:p>
+                      <a:pPr algn="ctr"/>
+                      <a:r>
+                        <a:rPr lang="en-US" altLang="zh-TW" sz="1400" dirty="0">
+                          <a:latin typeface="Times New Roman" panose="02020603050405020304" pitchFamily="18" charset="0"/>
+                          <a:ea typeface="標楷體" panose="03000509000000000000" pitchFamily="65" charset="-120"/>
+                          <a:cs typeface="Times New Roman" panose="02020603050405020304" pitchFamily="18" charset="0"/>
+                        </a:rPr>
+                        <a:t>method</a:t>
+                      </a:r>
+                      <a:endParaRPr lang="zh-TW" altLang="en-US" sz="1400" dirty="0">
+                        <a:latin typeface="Times New Roman" panose="02020603050405020304" pitchFamily="18" charset="0"/>
+                        <a:ea typeface="標楷體" panose="03000509000000000000" pitchFamily="65" charset="-120"/>
+                        <a:cs typeface="Times New Roman" panose="02020603050405020304" pitchFamily="18" charset="0"/>
+                      </a:endParaRPr>
+                    </a:p>
+                  </a:txBody>
+                  <a:tcPr anchor="ctr"/>
+                </a:tc>
+                <a:tc>
+                  <a:txBody>
+                    <a:bodyPr/>
+                    <a:lstStyle/>
+                    <a:p>
+                      <a:pPr algn="ctr"/>
+                      <a:r>
+                        <a:rPr lang="zh-TW" altLang="en-US" sz="1400" b="0" i="0" kern="1200" baseline="0" dirty="0">
+                          <a:solidFill>
+                            <a:schemeClr val="dk1"/>
+                          </a:solidFill>
+                          <a:effectLst/>
+                          <a:latin typeface="標楷體" panose="03000509000000000000" pitchFamily="65" charset="-120"/>
+                          <a:ea typeface="標楷體" panose="03000509000000000000" pitchFamily="65" charset="-120"/>
+                          <a:cs typeface="+mn-cs"/>
+                        </a:rPr>
+                        <a:t>將圖片做哪種演算法方式處理</a:t>
+                      </a:r>
+                      <a:endParaRPr lang="en-US" altLang="zh-TW" sz="1400" b="0" i="0" kern="1200" baseline="0" dirty="0">
+                        <a:solidFill>
+                          <a:schemeClr val="dk1"/>
+                        </a:solidFill>
+                        <a:effectLst/>
+                        <a:latin typeface="標楷體" panose="03000509000000000000" pitchFamily="65" charset="-120"/>
+                        <a:ea typeface="標楷體" panose="03000509000000000000" pitchFamily="65" charset="-120"/>
+                        <a:cs typeface="+mn-cs"/>
+                      </a:endParaRPr>
+                    </a:p>
+                    <a:p>
+                      <a:pPr algn="ctr"/>
+                      <a:r>
+                        <a:rPr lang="en-US" altLang="zh-TW" sz="1400" b="0" i="0" kern="1200" baseline="0" dirty="0">
+                          <a:solidFill>
+                            <a:schemeClr val="dk1"/>
+                          </a:solidFill>
+                          <a:effectLst/>
+                          <a:latin typeface="Times New Roman" panose="02020603050405020304" pitchFamily="18" charset="0"/>
+                          <a:ea typeface="標楷體" panose="03000509000000000000" pitchFamily="65" charset="-120"/>
+                          <a:cs typeface="+mn-cs"/>
+                        </a:rPr>
+                        <a:t>cv2.THRESH_BINARY(</a:t>
+                      </a:r>
+                      <a:r>
+                        <a:rPr lang="zh-TW" altLang="en-US" sz="1400" b="0" i="0" kern="1200" dirty="0">
+                          <a:solidFill>
+                            <a:schemeClr val="dk1"/>
+                          </a:solidFill>
+                          <a:effectLst/>
+                          <a:latin typeface="標楷體" panose="03000509000000000000" pitchFamily="65" charset="-120"/>
+                          <a:ea typeface="標楷體" panose="03000509000000000000" pitchFamily="65" charset="-120"/>
+                          <a:cs typeface="+mn-cs"/>
+                        </a:rPr>
+                        <a:t>黑白二值</a:t>
+                      </a:r>
+                      <a:r>
+                        <a:rPr lang="en-US" altLang="zh-TW" sz="1400" b="0" i="0" kern="1200" dirty="0">
+                          <a:solidFill>
+                            <a:schemeClr val="dk1"/>
+                          </a:solidFill>
+                          <a:effectLst/>
+                          <a:latin typeface="Times New Roman" panose="02020603050405020304" pitchFamily="18" charset="0"/>
+                          <a:ea typeface="標楷體" panose="03000509000000000000" pitchFamily="65" charset="-120"/>
+                          <a:cs typeface="Times New Roman" panose="02020603050405020304" pitchFamily="18" charset="0"/>
+                        </a:rPr>
+                        <a:t>)</a:t>
+                      </a:r>
+                      <a:endParaRPr lang="en-US" altLang="zh-TW" sz="1100" b="0" i="0" kern="1200" baseline="0" dirty="0">
+                        <a:solidFill>
+                          <a:schemeClr val="dk1"/>
+                        </a:solidFill>
+                        <a:effectLst/>
+                        <a:latin typeface="Times New Roman" panose="02020603050405020304" pitchFamily="18" charset="0"/>
+                        <a:ea typeface="標楷體" panose="03000509000000000000" pitchFamily="65" charset="-120"/>
+                        <a:cs typeface="Times New Roman" panose="02020603050405020304" pitchFamily="18" charset="0"/>
+                      </a:endParaRPr>
+                    </a:p>
+                  </a:txBody>
+                  <a:tcPr anchor="ctr"/>
+                </a:tc>
+                <a:extLst>
+                  <a:ext uri="{0D108BD9-81ED-4DB2-BD59-A6C34878D82A}">
+                    <a16:rowId xmlns:a16="http://schemas.microsoft.com/office/drawing/2014/main" val="3919450400"/>
+                  </a:ext>
+                </a:extLst>
+              </a:tr>
+            </a:tbl>
+          </a:graphicData>
+        </a:graphic>
+      </p:graphicFrame>
+      <p:sp>
+        <p:nvSpPr>
+          <p:cNvPr id="11" name="文字方塊 10">
+            <a:extLst>
+              <a:ext uri="{FF2B5EF4-FFF2-40B4-BE49-F238E27FC236}">
+                <a16:creationId xmlns:a16="http://schemas.microsoft.com/office/drawing/2014/main" id="{4C509D55-4658-499B-8BA4-24C47DB03C15}"/>
+              </a:ext>
+            </a:extLst>
+          </p:cNvPr>
+          <p:cNvSpPr txBox="1"/>
+          <p:nvPr/>
+        </p:nvSpPr>
+        <p:spPr>
+          <a:xfrm>
+            <a:off x="1097280" y="5654289"/>
+            <a:ext cx="4134465" cy="307777"/>
+          </a:xfrm>
+          <a:prstGeom prst="rect">
+            <a:avLst/>
+          </a:prstGeom>
+          <a:noFill/>
+        </p:spPr>
+        <p:txBody>
+          <a:bodyPr wrap="none" rtlCol="0">
+            <a:spAutoFit/>
+          </a:bodyPr>
+          <a:lstStyle/>
+          <a:p>
+            <a:r>
+              <a:rPr lang="zh-TW" altLang="en-US" sz="1400" dirty="0">
+                <a:latin typeface="Times New Roman" panose="02020603050405020304" pitchFamily="18" charset="0"/>
+                <a:ea typeface="標楷體" panose="03000509000000000000" pitchFamily="65" charset="-120"/>
+              </a:rPr>
+              <a:t>轉成非</a:t>
+            </a:r>
+            <a:r>
+              <a:rPr lang="en-US" altLang="zh-TW" sz="1400" dirty="0">
+                <a:latin typeface="Times New Roman" panose="02020603050405020304" pitchFamily="18" charset="0"/>
+                <a:ea typeface="標楷體" panose="03000509000000000000" pitchFamily="65" charset="-120"/>
+              </a:rPr>
+              <a:t>1</a:t>
+            </a:r>
+            <a:r>
+              <a:rPr lang="zh-TW" altLang="en-US" sz="1400" dirty="0">
+                <a:latin typeface="Times New Roman" panose="02020603050405020304" pitchFamily="18" charset="0"/>
+                <a:ea typeface="標楷體" panose="03000509000000000000" pitchFamily="65" charset="-120"/>
+              </a:rPr>
+              <a:t>即</a:t>
+            </a:r>
+            <a:r>
+              <a:rPr lang="en-US" altLang="zh-TW" sz="1400" dirty="0">
+                <a:latin typeface="Times New Roman" panose="02020603050405020304" pitchFamily="18" charset="0"/>
+                <a:ea typeface="標楷體" panose="03000509000000000000" pitchFamily="65" charset="-120"/>
+              </a:rPr>
+              <a:t>0</a:t>
+            </a:r>
+            <a:r>
+              <a:rPr lang="zh-TW" altLang="en-US" sz="1400" dirty="0">
+                <a:latin typeface="Times New Roman" panose="02020603050405020304" pitchFamily="18" charset="0"/>
+                <a:ea typeface="標楷體" panose="03000509000000000000" pitchFamily="65" charset="-120"/>
+              </a:rPr>
+              <a:t>的二值圖用來讓像素太小的點給去除掉</a:t>
+            </a:r>
+          </a:p>
+        </p:txBody>
+      </p:sp>
     </p:spTree>
     <p:extLst>
       <p:ext uri="{BB962C8B-B14F-4D97-AF65-F5344CB8AC3E}">
